--- a/fig/ci-pipeline-v01.pptx
+++ b/fig/ci-pipeline-v01.pptx
@@ -832,6 +832,10 @@
           <a:bodyPr/>
           <a:lstStyle/>
           <a:p>
+            <a:r>
+              <a:rPr lang="en-US" smtClean="0"/>
+              <a:t>grunt</a:t>
+            </a:r>
             <a:endParaRPr lang="en-US" dirty="0"/>
           </a:p>
         </p:txBody>
@@ -3259,22 +3263,7 @@
                 <a:ea typeface="Open Sans Light" charset="0"/>
                 <a:cs typeface="Open Sans Light"/>
               </a:rPr>
-              <a:t>compile</a:t>
-            </a:r>
-            <a:br>
-              <a:rPr lang="en-US" sz="1600" dirty="0" smtClean="0">
-                <a:latin typeface="Open Sans Light"/>
-                <a:ea typeface="Open Sans Light" charset="0"/>
-                <a:cs typeface="Open Sans Light"/>
-              </a:rPr>
-            </a:br>
-            <a:r>
-              <a:rPr lang="en-US" sz="1600" dirty="0" smtClean="0">
-                <a:latin typeface="Open Sans Light"/>
-                <a:ea typeface="Open Sans Light" charset="0"/>
-                <a:cs typeface="Open Sans Light"/>
-              </a:rPr>
-              <a:t>WAR</a:t>
+              <a:t>build &amp; compile</a:t>
             </a:r>
             <a:endParaRPr lang="en-US" sz="1600" dirty="0">
               <a:latin typeface="Open Sans Light"/>
@@ -3292,8 +3281,8 @@
         </p:nvSpPr>
         <p:spPr>
           <a:xfrm>
-            <a:off x="2591046" y="2331886"/>
-            <a:ext cx="1449632" cy="338554"/>
+            <a:off x="2591045" y="2331886"/>
+            <a:ext cx="1544793" cy="1077218"/>
           </a:xfrm>
           <a:prstGeom prst="rect">
             <a:avLst/>
@@ -3318,7 +3307,42 @@
                 <a:latin typeface="Open Sans Light"/>
                 <a:cs typeface="Open Sans Light"/>
               </a:rPr>
-              <a:t>Java only</a:t>
+              <a:t>Run Gulp,</a:t>
+            </a:r>
+            <a:br>
+              <a:rPr lang="en-US" sz="1600" dirty="0" smtClean="0">
+                <a:solidFill>
+                  <a:srgbClr val="A6A6A6"/>
+                </a:solidFill>
+                <a:latin typeface="Open Sans Light"/>
+                <a:cs typeface="Open Sans Light"/>
+              </a:rPr>
+            </a:br>
+            <a:r>
+              <a:rPr lang="en-US" sz="1600" dirty="0" smtClean="0">
+                <a:solidFill>
+                  <a:srgbClr val="A6A6A6"/>
+                </a:solidFill>
+                <a:latin typeface="Open Sans Light"/>
+                <a:cs typeface="Open Sans Light"/>
+              </a:rPr>
+              <a:t>Maven, etc.</a:t>
+            </a:r>
+          </a:p>
+          <a:p>
+            <a:pPr marL="342900" indent="-342900">
+              <a:buFont typeface="+mj-lt"/>
+              <a:buAutoNum type="arabicPeriod" startAt="7"/>
+            </a:pPr>
+            <a:r>
+              <a:rPr lang="en-US" sz="1600" dirty="0" smtClean="0">
+                <a:solidFill>
+                  <a:srgbClr val="A6A6A6"/>
+                </a:solidFill>
+                <a:latin typeface="Open Sans Light"/>
+                <a:cs typeface="Open Sans Light"/>
+              </a:rPr>
+              <a:t>Code scan</a:t>
             </a:r>
             <a:endParaRPr lang="en-US" sz="1600" dirty="0">
               <a:solidFill>
@@ -4301,6 +4325,48 @@
               <a:t>APIs &amp; DBs</a:t>
             </a:r>
             <a:endParaRPr lang="en-US" sz="1600" dirty="0">
+              <a:latin typeface="Open Sans Light"/>
+              <a:cs typeface="Open Sans Light"/>
+            </a:endParaRPr>
+          </a:p>
+        </p:txBody>
+      </p:sp>
+      <p:sp>
+        <p:nvSpPr>
+          <p:cNvPr id="48" name="TextBox 47"/>
+          <p:cNvSpPr txBox="1"/>
+          <p:nvPr/>
+        </p:nvSpPr>
+        <p:spPr>
+          <a:xfrm>
+            <a:off x="2768552" y="1336218"/>
+            <a:ext cx="1109224" cy="338554"/>
+          </a:xfrm>
+          <a:prstGeom prst="rect">
+            <a:avLst/>
+          </a:prstGeom>
+          <a:noFill/>
+        </p:spPr>
+        <p:txBody>
+          <a:bodyPr wrap="square" rtlCol="0">
+            <a:spAutoFit/>
+          </a:bodyPr>
+          <a:lstStyle/>
+          <a:p>
+            <a:r>
+              <a:rPr lang="en-US" sz="1600" dirty="0" smtClean="0">
+                <a:solidFill>
+                  <a:srgbClr val="A6A6A6"/>
+                </a:solidFill>
+                <a:latin typeface="Open Sans Light"/>
+                <a:cs typeface="Open Sans Light"/>
+              </a:rPr>
+              <a:t>Java only</a:t>
+            </a:r>
+            <a:endParaRPr lang="en-US" sz="1600" dirty="0">
+              <a:solidFill>
+                <a:srgbClr val="A6A6A6"/>
+              </a:solidFill>
               <a:latin typeface="Open Sans Light"/>
               <a:cs typeface="Open Sans Light"/>
             </a:endParaRPr>
@@ -5627,6 +5693,33 @@
                                   </p:childTnLst>
                                 </p:cTn>
                               </p:par>
+                              <p:par>
+                                <p:cTn id="110" presetID="1" presetClass="entr" presetSubtype="0" fill="hold" grpId="0" nodeType="withEffect">
+                                  <p:stCondLst>
+                                    <p:cond delay="0"/>
+                                  </p:stCondLst>
+                                  <p:childTnLst>
+                                    <p:set>
+                                      <p:cBhvr>
+                                        <p:cTn id="111" dur="1" fill="hold">
+                                          <p:stCondLst>
+                                            <p:cond delay="0"/>
+                                          </p:stCondLst>
+                                        </p:cTn>
+                                        <p:tgtEl>
+                                          <p:spTgt spid="48"/>
+                                        </p:tgtEl>
+                                        <p:attrNameLst>
+                                          <p:attrName>style.visibility</p:attrName>
+                                        </p:attrNameLst>
+                                      </p:cBhvr>
+                                      <p:to>
+                                        <p:strVal val="visible"/>
+                                      </p:to>
+                                    </p:set>
+                                  </p:childTnLst>
+                                </p:cTn>
+                              </p:par>
                             </p:childTnLst>
                           </p:cTn>
                         </p:par>
@@ -5681,6 +5774,7 @@
       <p:bldP spid="43" grpId="0"/>
       <p:bldP spid="45" grpId="0"/>
       <p:bldP spid="37" grpId="0" animBg="1"/>
+      <p:bldP spid="48" grpId="0"/>
     </p:bldLst>
   </p:timing>
 </p:sld>

--- a/fig/ci-pipeline-v01.pptx
+++ b/fig/ci-pipeline-v01.pptx
@@ -2466,7 +2466,7 @@
         </p:nvCxnSpPr>
         <p:spPr>
           <a:xfrm flipH="1">
-            <a:off x="1912606" y="1197337"/>
+            <a:off x="2049041" y="1197337"/>
             <a:ext cx="36" cy="468970"/>
           </a:xfrm>
           <a:prstGeom prst="straightConnector1">
@@ -3633,8 +3633,8 @@
         </p:nvSpPr>
         <p:spPr>
           <a:xfrm>
-            <a:off x="600967" y="868234"/>
-            <a:ext cx="1217086" cy="584776"/>
+            <a:off x="631095" y="865683"/>
+            <a:ext cx="1478444" cy="830997"/>
           </a:xfrm>
           <a:prstGeom prst="rect">
             <a:avLst/>
@@ -3669,8 +3669,12 @@
                 <a:latin typeface="Open Sans Light"/>
                 <a:cs typeface="Open Sans Light"/>
               </a:rPr>
-              <a:t>tag</a:t>
-            </a:r>
+              <a:t>commit, tag</a:t>
+            </a:r>
+            <a:endParaRPr lang="en-US" sz="1600" dirty="0" smtClean="0">
+              <a:latin typeface="Open Sans Light"/>
+              <a:cs typeface="Open Sans Light"/>
+            </a:endParaRPr>
           </a:p>
         </p:txBody>
       </p:sp>
@@ -4153,7 +4157,7 @@
         </p:nvSpPr>
         <p:spPr>
           <a:xfrm>
-            <a:off x="585260" y="1361138"/>
+            <a:off x="2038546" y="1370437"/>
             <a:ext cx="1217086" cy="338554"/>
           </a:xfrm>
           <a:prstGeom prst="rect">
@@ -4176,8 +4180,12 @@
                 <a:latin typeface="Open Sans Light"/>
                 <a:cs typeface="Open Sans Light"/>
               </a:rPr>
-              <a:t>commit</a:t>
-            </a:r>
+              <a:t>push</a:t>
+            </a:r>
+            <a:endParaRPr lang="en-US" sz="1600" dirty="0" smtClean="0">
+              <a:latin typeface="Open Sans Light"/>
+              <a:cs typeface="Open Sans Light"/>
+            </a:endParaRPr>
           </a:p>
         </p:txBody>
       </p:sp>
@@ -4339,8 +4347,8 @@
         </p:nvSpPr>
         <p:spPr>
           <a:xfrm>
-            <a:off x="2768552" y="1336218"/>
-            <a:ext cx="1109224" cy="338554"/>
+            <a:off x="3398268" y="1131257"/>
+            <a:ext cx="1109224" cy="584776"/>
           </a:xfrm>
           <a:prstGeom prst="rect">
             <a:avLst/>
@@ -4361,7 +4369,19 @@
                 <a:latin typeface="Open Sans Light"/>
                 <a:cs typeface="Open Sans Light"/>
               </a:rPr>
-              <a:t>Java only</a:t>
+              <a:t>Java </a:t>
+            </a:r>
+          </a:p>
+          <a:p>
+            <a:r>
+              <a:rPr lang="en-US" sz="1600" dirty="0" smtClean="0">
+                <a:solidFill>
+                  <a:srgbClr val="A6A6A6"/>
+                </a:solidFill>
+                <a:latin typeface="Open Sans Light"/>
+                <a:cs typeface="Open Sans Light"/>
+              </a:rPr>
+              <a:t>only</a:t>
             </a:r>
             <a:endParaRPr lang="en-US" sz="1600" dirty="0">
               <a:solidFill>

--- a/fig/ci-pipeline-v01.pptx
+++ b/fig/ci-pipeline-v01.pptx
@@ -5,14 +5,15 @@
     <p:sldMasterId id="2147483660" r:id="rId1"/>
   </p:sldMasterIdLst>
   <p:notesMasterIdLst>
-    <p:notesMasterId r:id="rId4"/>
+    <p:notesMasterId r:id="rId5"/>
   </p:notesMasterIdLst>
   <p:handoutMasterIdLst>
-    <p:handoutMasterId r:id="rId5"/>
+    <p:handoutMasterId r:id="rId6"/>
   </p:handoutMasterIdLst>
   <p:sldIdLst>
-    <p:sldId id="342" r:id="rId2"/>
-    <p:sldId id="341" r:id="rId3"/>
+    <p:sldId id="341" r:id="rId2"/>
+    <p:sldId id="342" r:id="rId3"/>
+    <p:sldId id="343" r:id="rId4"/>
   </p:sldIdLst>
   <p:sldSz cx="9144000" cy="5143500" type="screen16x9"/>
   <p:notesSz cx="9144000" cy="6858000"/>
@@ -832,10 +833,6 @@
           <a:bodyPr/>
           <a:lstStyle/>
           <a:p>
-            <a:r>
-              <a:rPr lang="en-US" smtClean="0"/>
-              <a:t>grunt</a:t>
-            </a:r>
             <a:endParaRPr lang="en-US" dirty="0"/>
           </a:p>
         </p:txBody>
@@ -926,6 +923,10 @@
           <a:bodyPr/>
           <a:lstStyle/>
           <a:p>
+            <a:r>
+              <a:rPr lang="en-US" dirty="0" smtClean="0"/>
+              <a:t>grunt</a:t>
+            </a:r>
             <a:endParaRPr lang="en-US" dirty="0"/>
           </a:p>
         </p:txBody>
@@ -2301,6 +2302,441 @@
       </p:grpSpPr>
       <p:sp>
         <p:nvSpPr>
+          <p:cNvPr id="35" name="Title 1"/>
+          <p:cNvSpPr>
+            <a:spLocks noGrp="1"/>
+          </p:cNvSpPr>
+          <p:nvPr>
+            <p:ph type="title"/>
+          </p:nvPr>
+        </p:nvSpPr>
+        <p:spPr>
+          <a:xfrm rot="16200000">
+            <a:off x="-2083413" y="2304437"/>
+            <a:ext cx="4738326" cy="461962"/>
+          </a:xfrm>
+        </p:spPr>
+        <p:txBody>
+          <a:bodyPr/>
+          <a:lstStyle/>
+          <a:p>
+            <a:r>
+              <a:rPr lang="en-US" dirty="0" smtClean="0">
+                <a:latin typeface="Open Sans"/>
+                <a:cs typeface="Open Sans"/>
+              </a:rPr>
+              <a:t>CI options</a:t>
+            </a:r>
+            <a:endParaRPr lang="en-US" dirty="0">
+              <a:latin typeface="Open Sans"/>
+              <a:cs typeface="Open Sans"/>
+            </a:endParaRPr>
+          </a:p>
+        </p:txBody>
+      </p:sp>
+      <p:pic>
+        <p:nvPicPr>
+          <p:cNvPr id="3" name="Picture 2" descr="Screen Shot 2016-07-28 at 5.32.33 AM.png"/>
+          <p:cNvPicPr>
+            <a:picLocks noChangeAspect="1"/>
+          </p:cNvPicPr>
+          <p:nvPr/>
+        </p:nvPicPr>
+        <p:blipFill>
+          <a:blip r:embed="rId3">
+            <a:extLst>
+              <a:ext uri="{28A0092B-C50C-407E-A947-70E740481C1C}">
+                <a14:useLocalDpi xmlns:a14="http://schemas.microsoft.com/office/drawing/2010/main" val="0"/>
+              </a:ext>
+            </a:extLst>
+          </a:blip>
+          <a:stretch>
+            <a:fillRect/>
+          </a:stretch>
+        </p:blipFill>
+        <p:spPr>
+          <a:xfrm>
+            <a:off x="0" y="0"/>
+            <a:ext cx="9144000" cy="1408894"/>
+          </a:xfrm>
+          <a:prstGeom prst="rect">
+            <a:avLst/>
+          </a:prstGeom>
+        </p:spPr>
+      </p:pic>
+      <p:sp>
+        <p:nvSpPr>
+          <p:cNvPr id="23" name="TextBox 22"/>
+          <p:cNvSpPr txBox="1"/>
+          <p:nvPr/>
+        </p:nvSpPr>
+        <p:spPr>
+          <a:xfrm>
+            <a:off x="867702" y="4642070"/>
+            <a:ext cx="5763116" cy="338554"/>
+          </a:xfrm>
+          <a:prstGeom prst="rect">
+            <a:avLst/>
+          </a:prstGeom>
+          <a:noFill/>
+        </p:spPr>
+        <p:txBody>
+          <a:bodyPr wrap="none" rtlCol="0">
+            <a:spAutoFit/>
+          </a:bodyPr>
+          <a:lstStyle/>
+          <a:p>
+            <a:r>
+              <a:rPr lang="en-US" sz="800" dirty="0">
+                <a:latin typeface="Open Sans Light"/>
+                <a:cs typeface="Open Sans Light"/>
+              </a:rPr>
+              <a:t>graphic source: </a:t>
+            </a:r>
+            <a:r>
+              <a:rPr lang="en-US" sz="800" dirty="0" smtClean="0">
+                <a:latin typeface="Open Sans Light"/>
+                <a:cs typeface="Open Sans Light"/>
+              </a:rPr>
+              <a:t>0:21 into https</a:t>
+            </a:r>
+            <a:r>
+              <a:rPr lang="en-US" sz="800" dirty="0">
+                <a:latin typeface="Open Sans Light"/>
+                <a:cs typeface="Open Sans Light"/>
+              </a:rPr>
+              <a:t>://</a:t>
+            </a:r>
+            <a:r>
+              <a:rPr lang="en-US" sz="800" dirty="0" err="1">
+                <a:latin typeface="Open Sans Light"/>
+                <a:cs typeface="Open Sans Light"/>
+              </a:rPr>
+              <a:t>app.pluralsight.com</a:t>
+            </a:r>
+            <a:r>
+              <a:rPr lang="en-US" sz="800" dirty="0">
+                <a:latin typeface="Open Sans Light"/>
+                <a:cs typeface="Open Sans Light"/>
+              </a:rPr>
+              <a:t>/</a:t>
+            </a:r>
+            <a:r>
+              <a:rPr lang="en-US" sz="800" dirty="0" err="1">
+                <a:latin typeface="Open Sans Light"/>
+                <a:cs typeface="Open Sans Light"/>
+              </a:rPr>
+              <a:t>player?course</a:t>
+            </a:r>
+            <a:r>
+              <a:rPr lang="en-US" sz="800" dirty="0">
+                <a:latin typeface="Open Sans Light"/>
+                <a:cs typeface="Open Sans Light"/>
+              </a:rPr>
+              <a:t>=integrating-</a:t>
+            </a:r>
+            <a:r>
+              <a:rPr lang="en-US" sz="800" dirty="0" err="1">
+                <a:latin typeface="Open Sans Light"/>
+                <a:cs typeface="Open Sans Light"/>
+              </a:rPr>
+              <a:t>docker</a:t>
+            </a:r>
+            <a:r>
+              <a:rPr lang="en-US" sz="800" dirty="0">
+                <a:latin typeface="Open Sans Light"/>
+                <a:cs typeface="Open Sans Light"/>
+              </a:rPr>
+              <a:t>-with-</a:t>
+            </a:r>
+            <a:r>
+              <a:rPr lang="en-US" sz="800" dirty="0" err="1">
+                <a:latin typeface="Open Sans Light"/>
+                <a:cs typeface="Open Sans Light"/>
+              </a:rPr>
+              <a:t>devops</a:t>
+            </a:r>
+            <a:r>
+              <a:rPr lang="en-US" sz="800" dirty="0">
+                <a:latin typeface="Open Sans Light"/>
+                <a:cs typeface="Open Sans Light"/>
+              </a:rPr>
+              <a:t>-automated-</a:t>
+            </a:r>
+            <a:r>
+              <a:rPr lang="en-US" sz="800" dirty="0" smtClean="0">
+                <a:latin typeface="Open Sans Light"/>
+                <a:cs typeface="Open Sans Light"/>
+              </a:rPr>
+              <a:t>workflows</a:t>
+            </a:r>
+            <a:br>
+              <a:rPr lang="en-US" sz="800" dirty="0" smtClean="0">
+                <a:latin typeface="Open Sans Light"/>
+                <a:cs typeface="Open Sans Light"/>
+              </a:rPr>
+            </a:br>
+            <a:r>
+              <a:rPr lang="en-US" sz="800" dirty="0" smtClean="0">
+                <a:latin typeface="Open Sans Light"/>
+                <a:cs typeface="Open Sans Light"/>
+              </a:rPr>
+              <a:t>&amp;</a:t>
+            </a:r>
+            <a:r>
+              <a:rPr lang="en-US" sz="800" dirty="0">
+                <a:latin typeface="Open Sans Light"/>
+                <a:cs typeface="Open Sans Light"/>
+              </a:rPr>
+              <a:t>author=</a:t>
+            </a:r>
+            <a:r>
+              <a:rPr lang="en-US" sz="800" dirty="0" err="1">
+                <a:latin typeface="Open Sans Light"/>
+                <a:cs typeface="Open Sans Light"/>
+              </a:rPr>
+              <a:t>nigel-poulton&amp;name</a:t>
+            </a:r>
+            <a:r>
+              <a:rPr lang="en-US" sz="800" dirty="0">
+                <a:latin typeface="Open Sans Light"/>
+                <a:cs typeface="Open Sans Light"/>
+              </a:rPr>
+              <a:t>=integrating-docker-with-devops-automated-workflows-m3&amp;clip=0&amp;mode=live</a:t>
+            </a:r>
+          </a:p>
+        </p:txBody>
+      </p:sp>
+      <p:pic>
+        <p:nvPicPr>
+          <p:cNvPr id="4" name="Picture 3" descr="Screen Shot 2016-07-28 at 5.36.07 AM.png"/>
+          <p:cNvPicPr>
+            <a:picLocks noChangeAspect="1"/>
+          </p:cNvPicPr>
+          <p:nvPr/>
+        </p:nvPicPr>
+        <p:blipFill>
+          <a:blip r:embed="rId4">
+            <a:extLst>
+              <a:ext uri="{28A0092B-C50C-407E-A947-70E740481C1C}">
+                <a14:useLocalDpi xmlns:a14="http://schemas.microsoft.com/office/drawing/2010/main" val="0"/>
+              </a:ext>
+            </a:extLst>
+          </a:blip>
+          <a:stretch>
+            <a:fillRect/>
+          </a:stretch>
+        </p:blipFill>
+        <p:spPr>
+          <a:xfrm>
+            <a:off x="3494615" y="2010594"/>
+            <a:ext cx="824179" cy="832028"/>
+          </a:xfrm>
+          <a:prstGeom prst="rect">
+            <a:avLst/>
+          </a:prstGeom>
+        </p:spPr>
+      </p:pic>
+      <p:pic>
+        <p:nvPicPr>
+          <p:cNvPr id="5" name="Picture 4" descr="Screen Shot 2016-07-28 at 5.37.14 AM.png"/>
+          <p:cNvPicPr>
+            <a:picLocks noChangeAspect="1"/>
+          </p:cNvPicPr>
+          <p:nvPr/>
+        </p:nvPicPr>
+        <p:blipFill>
+          <a:blip r:embed="rId5">
+            <a:extLst>
+              <a:ext uri="{28A0092B-C50C-407E-A947-70E740481C1C}">
+                <a14:useLocalDpi xmlns:a14="http://schemas.microsoft.com/office/drawing/2010/main" val="0"/>
+              </a:ext>
+            </a:extLst>
+          </a:blip>
+          <a:stretch>
+            <a:fillRect/>
+          </a:stretch>
+        </p:blipFill>
+        <p:spPr>
+          <a:xfrm>
+            <a:off x="3426837" y="2879995"/>
+            <a:ext cx="959734" cy="1109692"/>
+          </a:xfrm>
+          <a:prstGeom prst="rect">
+            <a:avLst/>
+          </a:prstGeom>
+        </p:spPr>
+      </p:pic>
+      <p:pic>
+        <p:nvPicPr>
+          <p:cNvPr id="6" name="Picture 5" descr="Screen Shot 2016-07-28 at 5.38.03 AM.png"/>
+          <p:cNvPicPr>
+            <a:picLocks noChangeAspect="1"/>
+          </p:cNvPicPr>
+          <p:nvPr/>
+        </p:nvPicPr>
+        <p:blipFill>
+          <a:blip r:embed="rId6">
+            <a:extLst>
+              <a:ext uri="{28A0092B-C50C-407E-A947-70E740481C1C}">
+                <a14:useLocalDpi xmlns:a14="http://schemas.microsoft.com/office/drawing/2010/main" val="0"/>
+              </a:ext>
+            </a:extLst>
+          </a:blip>
+          <a:stretch>
+            <a:fillRect/>
+          </a:stretch>
+        </p:blipFill>
+        <p:spPr>
+          <a:xfrm>
+            <a:off x="3531349" y="991524"/>
+            <a:ext cx="750710" cy="981697"/>
+          </a:xfrm>
+          <a:prstGeom prst="rect">
+            <a:avLst/>
+          </a:prstGeom>
+        </p:spPr>
+      </p:pic>
+      <p:pic>
+        <p:nvPicPr>
+          <p:cNvPr id="7" name="Picture 6" descr="Screen Shot 2016-07-28 at 5.39.02 AM.png"/>
+          <p:cNvPicPr>
+            <a:picLocks noChangeAspect="1"/>
+          </p:cNvPicPr>
+          <p:nvPr/>
+        </p:nvPicPr>
+        <p:blipFill>
+          <a:blip r:embed="rId7">
+            <a:extLst>
+              <a:ext uri="{28A0092B-C50C-407E-A947-70E740481C1C}">
+                <a14:useLocalDpi xmlns:a14="http://schemas.microsoft.com/office/drawing/2010/main" val="0"/>
+              </a:ext>
+            </a:extLst>
+          </a:blip>
+          <a:stretch>
+            <a:fillRect/>
+          </a:stretch>
+        </p:blipFill>
+        <p:spPr>
+          <a:xfrm>
+            <a:off x="3347991" y="3775443"/>
+            <a:ext cx="1117427" cy="428487"/>
+          </a:xfrm>
+          <a:prstGeom prst="rect">
+            <a:avLst/>
+          </a:prstGeom>
+        </p:spPr>
+      </p:pic>
+    </p:spTree>
+    <p:extLst>
+      <p:ext uri="{BB962C8B-B14F-4D97-AF65-F5344CB8AC3E}">
+        <p14:creationId xmlns:p14="http://schemas.microsoft.com/office/powerpoint/2010/main" val="44546561"/>
+      </p:ext>
+    </p:extLst>
+  </p:cSld>
+  <p:clrMapOvr>
+    <a:masterClrMapping/>
+  </p:clrMapOvr>
+  <p:timing>
+    <p:tnLst>
+      <p:par>
+        <p:cTn xmlns:p14="http://schemas.microsoft.com/office/powerpoint/2010/main" id="1" dur="indefinite" restart="never" nodeType="tmRoot">
+          <p:childTnLst>
+            <p:seq concurrent="1" nextAc="seek">
+              <p:cTn id="2" dur="indefinite" nodeType="mainSeq">
+                <p:childTnLst>
+                  <p:par>
+                    <p:cTn id="3" fill="hold">
+                      <p:stCondLst>
+                        <p:cond delay="indefinite"/>
+                      </p:stCondLst>
+                      <p:childTnLst>
+                        <p:par>
+                          <p:cTn id="4" fill="hold">
+                            <p:stCondLst>
+                              <p:cond delay="0"/>
+                            </p:stCondLst>
+                            <p:childTnLst>
+                              <p:par>
+                                <p:cTn id="5" presetID="1" presetClass="entr" presetSubtype="0" fill="hold" grpId="0" nodeType="clickEffect">
+                                  <p:stCondLst>
+                                    <p:cond delay="0"/>
+                                  </p:stCondLst>
+                                  <p:childTnLst>
+                                    <p:set>
+                                      <p:cBhvr>
+                                        <p:cTn id="6" dur="1" fill="hold">
+                                          <p:stCondLst>
+                                            <p:cond delay="0"/>
+                                          </p:stCondLst>
+                                        </p:cTn>
+                                        <p:tgtEl>
+                                          <p:spTgt spid="23"/>
+                                        </p:tgtEl>
+                                        <p:attrNameLst>
+                                          <p:attrName>style.visibility</p:attrName>
+                                        </p:attrNameLst>
+                                      </p:cBhvr>
+                                      <p:to>
+                                        <p:strVal val="visible"/>
+                                      </p:to>
+                                    </p:set>
+                                  </p:childTnLst>
+                                </p:cTn>
+                              </p:par>
+                            </p:childTnLst>
+                          </p:cTn>
+                        </p:par>
+                      </p:childTnLst>
+                    </p:cTn>
+                  </p:par>
+                </p:childTnLst>
+              </p:cTn>
+              <p:prevCondLst>
+                <p:cond evt="onPrev" delay="0">
+                  <p:tgtEl>
+                    <p:sldTgt/>
+                  </p:tgtEl>
+                </p:cond>
+              </p:prevCondLst>
+              <p:nextCondLst>
+                <p:cond evt="onNext" delay="0">
+                  <p:tgtEl>
+                    <p:sldTgt/>
+                  </p:tgtEl>
+                </p:cond>
+              </p:nextCondLst>
+            </p:seq>
+          </p:childTnLst>
+        </p:cTn>
+      </p:par>
+    </p:tnLst>
+    <p:bldLst>
+      <p:bldP spid="23" grpId="0"/>
+    </p:bldLst>
+  </p:timing>
+</p:sld>
+</file>
+
+<file path=ppt/slides/slide2.xml><?xml version="1.0" encoding="utf-8"?>
+<p:sld xmlns:a="http://schemas.openxmlformats.org/drawingml/2006/main" xmlns:r="http://schemas.openxmlformats.org/officeDocument/2006/relationships" xmlns:p="http://schemas.openxmlformats.org/presentationml/2006/main">
+  <p:cSld>
+    <p:spTree>
+      <p:nvGrpSpPr>
+        <p:cNvPr id="1" name=""/>
+        <p:cNvGrpSpPr/>
+        <p:nvPr/>
+      </p:nvGrpSpPr>
+      <p:grpSpPr>
+        <a:xfrm>
+          <a:off x="0" y="0"/>
+          <a:ext cx="0" cy="0"/>
+          <a:chOff x="0" y="0"/>
+          <a:chExt cx="0" cy="0"/>
+        </a:xfrm>
+      </p:grpSpPr>
+      <p:sp>
+        <p:nvSpPr>
           <p:cNvPr id="46" name="Rectangle 45"/>
           <p:cNvSpPr/>
           <p:nvPr/>
@@ -3181,8 +3617,8 @@
         </p:nvSpPr>
         <p:spPr>
           <a:xfrm>
-            <a:off x="7283380" y="2285719"/>
-            <a:ext cx="1709983" cy="584776"/>
+            <a:off x="7199420" y="2285719"/>
+            <a:ext cx="1805518" cy="338554"/>
           </a:xfrm>
           <a:prstGeom prst="rect">
             <a:avLst/>
@@ -3217,7 +3653,7 @@
         </p:nvSpPr>
         <p:spPr>
           <a:xfrm>
-            <a:off x="2601541" y="1666307"/>
+            <a:off x="2751876" y="1666307"/>
             <a:ext cx="1275325" cy="577332"/>
           </a:xfrm>
           <a:prstGeom prst="rect">
@@ -3548,15 +3984,14 @@
         <p:nvCxnSpPr>
           <p:cNvPr id="71" name="Straight Arrow Connector 70"/>
           <p:cNvCxnSpPr>
-            <a:stCxn id="56" idx="0"/>
             <a:endCxn id="70" idx="3"/>
           </p:cNvCxnSpPr>
           <p:nvPr/>
         </p:nvCxnSpPr>
         <p:spPr>
-          <a:xfrm flipH="1" flipV="1">
+          <a:xfrm flipV="1">
             <a:off x="3230988" y="1124165"/>
-            <a:ext cx="8216" cy="542142"/>
+            <a:ext cx="0" cy="572515"/>
           </a:xfrm>
           <a:prstGeom prst="straightConnector1">
             <a:avLst/>
@@ -3722,7 +4157,7 @@
         </p:nvSpPr>
         <p:spPr>
           <a:xfrm>
-            <a:off x="7283380" y="3306050"/>
+            <a:off x="7199420" y="3379529"/>
             <a:ext cx="1691936" cy="1323439"/>
           </a:xfrm>
           <a:prstGeom prst="rect">
@@ -3740,12 +4175,16 @@
               <a:buAutoNum type="arabicPeriod" startAt="17"/>
             </a:pPr>
             <a:r>
-              <a:rPr lang="en-US" sz="1600" dirty="0">
+              <a:rPr lang="en-US" sz="1600" dirty="0" smtClean="0">
                 <a:latin typeface="Open Sans Light"/>
                 <a:cs typeface="Open Sans Light"/>
               </a:rPr>
               <a:t>Logging</a:t>
             </a:r>
+            <a:endParaRPr lang="en-US" sz="1600" dirty="0">
+              <a:latin typeface="Open Sans Light"/>
+              <a:cs typeface="Open Sans Light"/>
+            </a:endParaRPr>
           </a:p>
           <a:p>
             <a:pPr marL="342900" indent="-342900">
@@ -3910,8 +4349,8 @@
         </p:nvSpPr>
         <p:spPr>
           <a:xfrm>
-            <a:off x="7283380" y="2778161"/>
-            <a:ext cx="1709983" cy="584776"/>
+            <a:off x="7199420" y="2662694"/>
+            <a:ext cx="1709983" cy="830997"/>
           </a:xfrm>
           <a:prstGeom prst="rect">
             <a:avLst/>
@@ -3933,7 +4372,7 @@
                 <a:latin typeface="Open Sans Light"/>
                 <a:cs typeface="Open Sans Light"/>
               </a:rPr>
-              <a:t>Smoke test functionality</a:t>
+              <a:t>Functional smoke &amp; E2E test</a:t>
             </a:r>
             <a:endParaRPr lang="en-US" sz="1600" dirty="0" smtClean="0">
               <a:latin typeface="Open Sans Light"/>
@@ -3990,7 +4429,7 @@
         </p:nvSpPr>
         <p:spPr>
           <a:xfrm>
-            <a:off x="872313" y="3614865"/>
+            <a:off x="872313" y="3803811"/>
             <a:ext cx="2041181" cy="584776"/>
           </a:xfrm>
           <a:prstGeom prst="rect">
@@ -4122,7 +4561,7 @@
         <p:spPr>
           <a:xfrm>
             <a:off x="872313" y="2788658"/>
-            <a:ext cx="1894248" cy="338554"/>
+            <a:ext cx="1894248" cy="584776"/>
           </a:xfrm>
           <a:prstGeom prst="rect">
             <a:avLst/>
@@ -4144,8 +4583,12 @@
                 <a:latin typeface="Open Sans Light"/>
                 <a:cs typeface="Open Sans Light"/>
               </a:rPr>
-              <a:t>Setup hook</a:t>
-            </a:r>
+              <a:t>Config. Jenkins packages</a:t>
+            </a:r>
+            <a:endParaRPr lang="en-US" sz="1600" dirty="0" smtClean="0">
+              <a:latin typeface="Open Sans Light"/>
+              <a:cs typeface="Open Sans Light"/>
+            </a:endParaRPr>
           </a:p>
         </p:txBody>
       </p:sp>
@@ -4233,7 +4676,7 @@
         </p:nvSpPr>
         <p:spPr>
           <a:xfrm>
-            <a:off x="872313" y="3086491"/>
+            <a:off x="872313" y="3306928"/>
             <a:ext cx="1704048" cy="584776"/>
           </a:xfrm>
           <a:prstGeom prst="rect">
@@ -5800,7 +6243,7 @@
 </p:sld>
 </file>
 
-<file path=ppt/slides/slide2.xml><?xml version="1.0" encoding="utf-8"?>
+<file path=ppt/slides/slide3.xml><?xml version="1.0" encoding="utf-8"?>
 <p:sld xmlns:a="http://schemas.openxmlformats.org/drawingml/2006/main" xmlns:r="http://schemas.openxmlformats.org/officeDocument/2006/relationships" xmlns:p="http://schemas.openxmlformats.org/presentationml/2006/main">
   <p:cSld>
     <p:spTree>
@@ -5819,7 +6262,7 @@
       </p:grpSpPr>
       <p:sp>
         <p:nvSpPr>
-          <p:cNvPr id="35" name="Title 1"/>
+          <p:cNvPr id="2" name="Title 1"/>
           <p:cNvSpPr>
             <a:spLocks noGrp="1"/>
           </p:cNvSpPr>
@@ -5827,411 +6270,49 @@
             <p:ph type="title"/>
           </p:nvPr>
         </p:nvSpPr>
-        <p:spPr>
-          <a:xfrm rot="16200000">
-            <a:off x="-2083413" y="2304437"/>
-            <a:ext cx="4738326" cy="461962"/>
-          </a:xfrm>
-        </p:spPr>
+        <p:spPr/>
         <p:txBody>
           <a:bodyPr/>
           <a:lstStyle/>
           <a:p>
-            <a:r>
-              <a:rPr lang="en-US" dirty="0" smtClean="0">
-                <a:latin typeface="Open Sans"/>
-                <a:cs typeface="Open Sans"/>
-              </a:rPr>
-              <a:t>CI options</a:t>
-            </a:r>
-            <a:endParaRPr lang="en-US" dirty="0">
-              <a:latin typeface="Open Sans"/>
-              <a:cs typeface="Open Sans"/>
-            </a:endParaRPr>
+            <a:endParaRPr lang="en-US" dirty="0"/>
           </a:p>
         </p:txBody>
       </p:sp>
       <p:pic>
         <p:nvPicPr>
-          <p:cNvPr id="3" name="Picture 2" descr="Screen Shot 2016-07-28 at 5.32.33 AM.png"/>
+          <p:cNvPr id="4" name="Content Placeholder 3"/>
           <p:cNvPicPr>
-            <a:picLocks noChangeAspect="1"/>
+            <a:picLocks noGrp="1" noChangeAspect="1"/>
           </p:cNvPicPr>
-          <p:nvPr/>
+          <p:nvPr>
+            <p:ph idx="1"/>
+          </p:nvPr>
         </p:nvPicPr>
         <p:blipFill>
-          <a:blip r:embed="rId3">
-            <a:extLst>
-              <a:ext uri="{28A0092B-C50C-407E-A947-70E740481C1C}">
-                <a14:useLocalDpi xmlns:a14="http://schemas.microsoft.com/office/drawing/2010/main" val="0"/>
-              </a:ext>
-            </a:extLst>
-          </a:blip>
+          <a:blip r:embed="rId2"/>
+          <a:srcRect l="4698" r="4698"/>
           <a:stretch>
             <a:fillRect/>
           </a:stretch>
         </p:blipFill>
         <p:spPr>
           <a:xfrm>
-            <a:off x="0" y="0"/>
-            <a:ext cx="9144000" cy="1408894"/>
+            <a:off x="-1103068" y="0"/>
+            <a:ext cx="11482886" cy="4783959"/>
           </a:xfrm>
-          <a:prstGeom prst="rect">
-            <a:avLst/>
-          </a:prstGeom>
-        </p:spPr>
-      </p:pic>
-      <p:sp>
-        <p:nvSpPr>
-          <p:cNvPr id="23" name="TextBox 22"/>
-          <p:cNvSpPr txBox="1"/>
-          <p:nvPr/>
-        </p:nvSpPr>
-        <p:spPr>
-          <a:xfrm>
-            <a:off x="867702" y="4642070"/>
-            <a:ext cx="5763116" cy="338554"/>
-          </a:xfrm>
-          <a:prstGeom prst="rect">
-            <a:avLst/>
-          </a:prstGeom>
-          <a:noFill/>
-        </p:spPr>
-        <p:txBody>
-          <a:bodyPr wrap="none" rtlCol="0">
-            <a:spAutoFit/>
-          </a:bodyPr>
-          <a:lstStyle/>
-          <a:p>
-            <a:r>
-              <a:rPr lang="en-US" sz="800" dirty="0">
-                <a:latin typeface="Open Sans Light"/>
-                <a:cs typeface="Open Sans Light"/>
-              </a:rPr>
-              <a:t>graphic source: </a:t>
-            </a:r>
-            <a:r>
-              <a:rPr lang="en-US" sz="800" dirty="0" smtClean="0">
-                <a:latin typeface="Open Sans Light"/>
-                <a:cs typeface="Open Sans Light"/>
-              </a:rPr>
-              <a:t>0:21 into https</a:t>
-            </a:r>
-            <a:r>
-              <a:rPr lang="en-US" sz="800" dirty="0">
-                <a:latin typeface="Open Sans Light"/>
-                <a:cs typeface="Open Sans Light"/>
-              </a:rPr>
-              <a:t>://</a:t>
-            </a:r>
-            <a:r>
-              <a:rPr lang="en-US" sz="800" dirty="0" err="1">
-                <a:latin typeface="Open Sans Light"/>
-                <a:cs typeface="Open Sans Light"/>
-              </a:rPr>
-              <a:t>app.pluralsight.com</a:t>
-            </a:r>
-            <a:r>
-              <a:rPr lang="en-US" sz="800" dirty="0">
-                <a:latin typeface="Open Sans Light"/>
-                <a:cs typeface="Open Sans Light"/>
-              </a:rPr>
-              <a:t>/</a:t>
-            </a:r>
-            <a:r>
-              <a:rPr lang="en-US" sz="800" dirty="0" err="1">
-                <a:latin typeface="Open Sans Light"/>
-                <a:cs typeface="Open Sans Light"/>
-              </a:rPr>
-              <a:t>player?course</a:t>
-            </a:r>
-            <a:r>
-              <a:rPr lang="en-US" sz="800" dirty="0">
-                <a:latin typeface="Open Sans Light"/>
-                <a:cs typeface="Open Sans Light"/>
-              </a:rPr>
-              <a:t>=integrating-</a:t>
-            </a:r>
-            <a:r>
-              <a:rPr lang="en-US" sz="800" dirty="0" err="1">
-                <a:latin typeface="Open Sans Light"/>
-                <a:cs typeface="Open Sans Light"/>
-              </a:rPr>
-              <a:t>docker</a:t>
-            </a:r>
-            <a:r>
-              <a:rPr lang="en-US" sz="800" dirty="0">
-                <a:latin typeface="Open Sans Light"/>
-                <a:cs typeface="Open Sans Light"/>
-              </a:rPr>
-              <a:t>-with-</a:t>
-            </a:r>
-            <a:r>
-              <a:rPr lang="en-US" sz="800" dirty="0" err="1">
-                <a:latin typeface="Open Sans Light"/>
-                <a:cs typeface="Open Sans Light"/>
-              </a:rPr>
-              <a:t>devops</a:t>
-            </a:r>
-            <a:r>
-              <a:rPr lang="en-US" sz="800" dirty="0">
-                <a:latin typeface="Open Sans Light"/>
-                <a:cs typeface="Open Sans Light"/>
-              </a:rPr>
-              <a:t>-automated-</a:t>
-            </a:r>
-            <a:r>
-              <a:rPr lang="en-US" sz="800" dirty="0" smtClean="0">
-                <a:latin typeface="Open Sans Light"/>
-                <a:cs typeface="Open Sans Light"/>
-              </a:rPr>
-              <a:t>workflows</a:t>
-            </a:r>
-            <a:br>
-              <a:rPr lang="en-US" sz="800" dirty="0" smtClean="0">
-                <a:latin typeface="Open Sans Light"/>
-                <a:cs typeface="Open Sans Light"/>
-              </a:rPr>
-            </a:br>
-            <a:r>
-              <a:rPr lang="en-US" sz="800" dirty="0" smtClean="0">
-                <a:latin typeface="Open Sans Light"/>
-                <a:cs typeface="Open Sans Light"/>
-              </a:rPr>
-              <a:t>&amp;</a:t>
-            </a:r>
-            <a:r>
-              <a:rPr lang="en-US" sz="800" dirty="0">
-                <a:latin typeface="Open Sans Light"/>
-                <a:cs typeface="Open Sans Light"/>
-              </a:rPr>
-              <a:t>author=</a:t>
-            </a:r>
-            <a:r>
-              <a:rPr lang="en-US" sz="800" dirty="0" err="1">
-                <a:latin typeface="Open Sans Light"/>
-                <a:cs typeface="Open Sans Light"/>
-              </a:rPr>
-              <a:t>nigel-poulton&amp;name</a:t>
-            </a:r>
-            <a:r>
-              <a:rPr lang="en-US" sz="800" dirty="0">
-                <a:latin typeface="Open Sans Light"/>
-                <a:cs typeface="Open Sans Light"/>
-              </a:rPr>
-              <a:t>=integrating-docker-with-devops-automated-workflows-m3&amp;clip=0&amp;mode=live</a:t>
-            </a:r>
-          </a:p>
-        </p:txBody>
-      </p:sp>
-      <p:pic>
-        <p:nvPicPr>
-          <p:cNvPr id="4" name="Picture 3" descr="Screen Shot 2016-07-28 at 5.36.07 AM.png"/>
-          <p:cNvPicPr>
-            <a:picLocks noChangeAspect="1"/>
-          </p:cNvPicPr>
-          <p:nvPr/>
-        </p:nvPicPr>
-        <p:blipFill>
-          <a:blip r:embed="rId4">
-            <a:extLst>
-              <a:ext uri="{28A0092B-C50C-407E-A947-70E740481C1C}">
-                <a14:useLocalDpi xmlns:a14="http://schemas.microsoft.com/office/drawing/2010/main" val="0"/>
-              </a:ext>
-            </a:extLst>
-          </a:blip>
-          <a:stretch>
-            <a:fillRect/>
-          </a:stretch>
-        </p:blipFill>
-        <p:spPr>
-          <a:xfrm>
-            <a:off x="3494615" y="2010594"/>
-            <a:ext cx="824179" cy="832028"/>
-          </a:xfrm>
-          <a:prstGeom prst="rect">
-            <a:avLst/>
-          </a:prstGeom>
-        </p:spPr>
-      </p:pic>
-      <p:pic>
-        <p:nvPicPr>
-          <p:cNvPr id="5" name="Picture 4" descr="Screen Shot 2016-07-28 at 5.37.14 AM.png"/>
-          <p:cNvPicPr>
-            <a:picLocks noChangeAspect="1"/>
-          </p:cNvPicPr>
-          <p:nvPr/>
-        </p:nvPicPr>
-        <p:blipFill>
-          <a:blip r:embed="rId5">
-            <a:extLst>
-              <a:ext uri="{28A0092B-C50C-407E-A947-70E740481C1C}">
-                <a14:useLocalDpi xmlns:a14="http://schemas.microsoft.com/office/drawing/2010/main" val="0"/>
-              </a:ext>
-            </a:extLst>
-          </a:blip>
-          <a:stretch>
-            <a:fillRect/>
-          </a:stretch>
-        </p:blipFill>
-        <p:spPr>
-          <a:xfrm>
-            <a:off x="3426837" y="2879995"/>
-            <a:ext cx="959734" cy="1109692"/>
-          </a:xfrm>
-          <a:prstGeom prst="rect">
-            <a:avLst/>
-          </a:prstGeom>
-        </p:spPr>
-      </p:pic>
-      <p:pic>
-        <p:nvPicPr>
-          <p:cNvPr id="6" name="Picture 5" descr="Screen Shot 2016-07-28 at 5.38.03 AM.png"/>
-          <p:cNvPicPr>
-            <a:picLocks noChangeAspect="1"/>
-          </p:cNvPicPr>
-          <p:nvPr/>
-        </p:nvPicPr>
-        <p:blipFill>
-          <a:blip r:embed="rId6">
-            <a:extLst>
-              <a:ext uri="{28A0092B-C50C-407E-A947-70E740481C1C}">
-                <a14:useLocalDpi xmlns:a14="http://schemas.microsoft.com/office/drawing/2010/main" val="0"/>
-              </a:ext>
-            </a:extLst>
-          </a:blip>
-          <a:stretch>
-            <a:fillRect/>
-          </a:stretch>
-        </p:blipFill>
-        <p:spPr>
-          <a:xfrm>
-            <a:off x="3531349" y="991524"/>
-            <a:ext cx="750710" cy="981697"/>
-          </a:xfrm>
-          <a:prstGeom prst="rect">
-            <a:avLst/>
-          </a:prstGeom>
-        </p:spPr>
-      </p:pic>
-      <p:pic>
-        <p:nvPicPr>
-          <p:cNvPr id="7" name="Picture 6" descr="Screen Shot 2016-07-28 at 5.39.02 AM.png"/>
-          <p:cNvPicPr>
-            <a:picLocks noChangeAspect="1"/>
-          </p:cNvPicPr>
-          <p:nvPr/>
-        </p:nvPicPr>
-        <p:blipFill>
-          <a:blip r:embed="rId7">
-            <a:extLst>
-              <a:ext uri="{28A0092B-C50C-407E-A947-70E740481C1C}">
-                <a14:useLocalDpi xmlns:a14="http://schemas.microsoft.com/office/drawing/2010/main" val="0"/>
-              </a:ext>
-            </a:extLst>
-          </a:blip>
-          <a:stretch>
-            <a:fillRect/>
-          </a:stretch>
-        </p:blipFill>
-        <p:spPr>
-          <a:xfrm>
-            <a:off x="3347991" y="3775443"/>
-            <a:ext cx="1117427" cy="428487"/>
-          </a:xfrm>
-          <a:prstGeom prst="rect">
-            <a:avLst/>
-          </a:prstGeom>
         </p:spPr>
       </p:pic>
     </p:spTree>
     <p:extLst>
       <p:ext uri="{BB962C8B-B14F-4D97-AF65-F5344CB8AC3E}">
-        <p14:creationId xmlns:p14="http://schemas.microsoft.com/office/powerpoint/2010/main" val="44546561"/>
+        <p14:creationId xmlns:p14="http://schemas.microsoft.com/office/powerpoint/2010/main" val="2414227866"/>
       </p:ext>
     </p:extLst>
   </p:cSld>
   <p:clrMapOvr>
     <a:masterClrMapping/>
   </p:clrMapOvr>
-  <p:timing>
-    <p:tnLst>
-      <p:par>
-        <p:cTn xmlns:p14="http://schemas.microsoft.com/office/powerpoint/2010/main" id="1" dur="indefinite" restart="never" nodeType="tmRoot">
-          <p:childTnLst>
-            <p:seq concurrent="1" nextAc="seek">
-              <p:cTn id="2" dur="indefinite" nodeType="mainSeq">
-                <p:childTnLst>
-                  <p:par>
-                    <p:cTn id="3" fill="hold">
-                      <p:stCondLst>
-                        <p:cond delay="indefinite"/>
-                      </p:stCondLst>
-                      <p:childTnLst>
-                        <p:par>
-                          <p:cTn id="4" fill="hold">
-                            <p:stCondLst>
-                              <p:cond delay="0"/>
-                            </p:stCondLst>
-                            <p:childTnLst>
-                              <p:par>
-                                <p:cTn id="5" presetID="1" presetClass="entr" presetSubtype="0" fill="hold" grpId="0" nodeType="clickEffect">
-                                  <p:stCondLst>
-                                    <p:cond delay="0"/>
-                                  </p:stCondLst>
-                                  <p:childTnLst>
-                                    <p:set>
-                                      <p:cBhvr>
-                                        <p:cTn id="6" dur="1" fill="hold">
-                                          <p:stCondLst>
-                                            <p:cond delay="0"/>
-                                          </p:stCondLst>
-                                        </p:cTn>
-                                        <p:tgtEl>
-                                          <p:spTgt spid="23"/>
-                                        </p:tgtEl>
-                                        <p:attrNameLst>
-                                          <p:attrName>style.visibility</p:attrName>
-                                        </p:attrNameLst>
-                                      </p:cBhvr>
-                                      <p:to>
-                                        <p:strVal val="visible"/>
-                                      </p:to>
-                                    </p:set>
-                                  </p:childTnLst>
-                                </p:cTn>
-                              </p:par>
-                            </p:childTnLst>
-                          </p:cTn>
-                        </p:par>
-                      </p:childTnLst>
-                    </p:cTn>
-                  </p:par>
-                </p:childTnLst>
-              </p:cTn>
-              <p:prevCondLst>
-                <p:cond evt="onPrev" delay="0">
-                  <p:tgtEl>
-                    <p:sldTgt/>
-                  </p:tgtEl>
-                </p:cond>
-              </p:prevCondLst>
-              <p:nextCondLst>
-                <p:cond evt="onNext" delay="0">
-                  <p:tgtEl>
-                    <p:sldTgt/>
-                  </p:tgtEl>
-                </p:cond>
-              </p:nextCondLst>
-            </p:seq>
-          </p:childTnLst>
-        </p:cTn>
-      </p:par>
-    </p:tnLst>
-    <p:bldLst>
-      <p:bldP spid="23" grpId="0"/>
-    </p:bldLst>
-  </p:timing>
 </p:sld>
 </file>
 

--- a/fig/ci-pipeline-v01.pptx
+++ b/fig/ci-pipeline-v01.pptx
@@ -5,15 +5,20 @@
     <p:sldMasterId id="2147483660" r:id="rId1"/>
   </p:sldMasterIdLst>
   <p:notesMasterIdLst>
-    <p:notesMasterId r:id="rId5"/>
+    <p:notesMasterId r:id="rId10"/>
   </p:notesMasterIdLst>
   <p:handoutMasterIdLst>
-    <p:handoutMasterId r:id="rId6"/>
+    <p:handoutMasterId r:id="rId11"/>
   </p:handoutMasterIdLst>
   <p:sldIdLst>
-    <p:sldId id="341" r:id="rId2"/>
-    <p:sldId id="342" r:id="rId3"/>
-    <p:sldId id="343" r:id="rId4"/>
+    <p:sldId id="345" r:id="rId2"/>
+    <p:sldId id="346" r:id="rId3"/>
+    <p:sldId id="348" r:id="rId4"/>
+    <p:sldId id="347" r:id="rId5"/>
+    <p:sldId id="341" r:id="rId6"/>
+    <p:sldId id="344" r:id="rId7"/>
+    <p:sldId id="342" r:id="rId8"/>
+    <p:sldId id="343" r:id="rId9"/>
   </p:sldIdLst>
   <p:sldSz cx="9144000" cy="5143500" type="screen16x9"/>
   <p:notesSz cx="9144000" cy="6858000"/>
@@ -253,7 +258,7 @@
               <a:pPr>
                 <a:defRPr/>
               </a:pPr>
-              <a:t>7/29/16</a:t>
+              <a:t>8/3/16</a:t>
             </a:fld>
             <a:endParaRPr lang="en-US"/>
           </a:p>
@@ -467,7 +472,7 @@
               <a:pPr>
                 <a:defRPr/>
               </a:pPr>
-              <a:t>7/29/16</a:t>
+              <a:t>8/3/16</a:t>
             </a:fld>
             <a:endParaRPr lang="en-US"/>
           </a:p>
@@ -833,6 +838,32 @@
           <a:bodyPr/>
           <a:lstStyle/>
           <a:p>
+            <a:endParaRPr lang="en-US" dirty="0" smtClean="0"/>
+          </a:p>
+          <a:p>
+            <a:r>
+              <a:rPr lang="en-US" dirty="0" smtClean="0"/>
+              <a:t>In his role at Shippable, Tom has the unique opportunity to dive deep on both the technical and business aspects of CI/CD, DevOps, and modern architectures leveraging containers, and brings a broad perspective on the many companies and options available in the container ecosystem based on his work developing Shippable integration partnerships.  With twenty-five years experience in large companies (Microsoft, SAP) and his own software startups, he understands the full spectrum of challenges facing software teams, large and small.</a:t>
+            </a:r>
+          </a:p>
+          <a:p>
+            <a:endParaRPr lang="en-US" dirty="0" smtClean="0"/>
+          </a:p>
+          <a:p>
+            <a:r>
+              <a:rPr lang="en-US" dirty="0" smtClean="0"/>
+              <a:t>As </a:t>
+            </a:r>
+            <a:r>
+              <a:rPr lang="en-US" dirty="0" err="1" smtClean="0"/>
+              <a:t>Shippable’s</a:t>
+            </a:r>
+            <a:r>
+              <a:rPr lang="en-US" dirty="0" smtClean="0"/>
+              <a:t> Developer Evangelist, Wilson brings his 20 years of deep technical experience tuning enterprise systems. He is a regular blogger and speaker on use of Git for software development and DevOps.</a:t>
+            </a:r>
+          </a:p>
+          <a:p>
             <a:endParaRPr lang="en-US" dirty="0"/>
           </a:p>
         </p:txBody>
@@ -869,7 +900,7 @@
     </p:spTree>
     <p:extLst>
       <p:ext uri="{BB962C8B-B14F-4D97-AF65-F5344CB8AC3E}">
-        <p14:creationId xmlns:p14="http://schemas.microsoft.com/office/powerpoint/2010/main" val="3330040866"/>
+        <p14:creationId xmlns:p14="http://schemas.microsoft.com/office/powerpoint/2010/main" val="2054353908"/>
       </p:ext>
     </p:extLst>
   </p:cSld>
@@ -923,10 +954,32 @@
           <a:bodyPr/>
           <a:lstStyle/>
           <a:p>
+            <a:endParaRPr lang="en-US" dirty="0" smtClean="0"/>
+          </a:p>
+          <a:p>
             <a:r>
               <a:rPr lang="en-US" dirty="0" smtClean="0"/>
-              <a:t>grunt</a:t>
-            </a:r>
+              <a:t>In his role at Shippable, Tom has the unique opportunity to dive deep on both the technical and business aspects of CI/CD, DevOps, and modern architectures leveraging containers, and brings a broad perspective on the many companies and options available in the container ecosystem based on his work developing Shippable integration partnerships.  With twenty-five years experience in large companies (Microsoft, SAP) and his own software startups, he understands the full spectrum of challenges facing software teams, large and small.</a:t>
+            </a:r>
+          </a:p>
+          <a:p>
+            <a:endParaRPr lang="en-US" dirty="0" smtClean="0"/>
+          </a:p>
+          <a:p>
+            <a:r>
+              <a:rPr lang="en-US" dirty="0" smtClean="0"/>
+              <a:t>As </a:t>
+            </a:r>
+            <a:r>
+              <a:rPr lang="en-US" dirty="0" err="1" smtClean="0"/>
+              <a:t>Shippable’s</a:t>
+            </a:r>
+            <a:r>
+              <a:rPr lang="en-US" dirty="0" smtClean="0"/>
+              <a:t> Developer Evangelist, Wilson brings his 20 years of deep technical experience tuning enterprise systems. He is a regular blogger and speaker on use of Git for software development and DevOps.</a:t>
+            </a:r>
+          </a:p>
+          <a:p>
             <a:endParaRPr lang="en-US" dirty="0"/>
           </a:p>
         </p:txBody>
@@ -955,6 +1008,602 @@
                 <a:defRPr/>
               </a:pPr>
               <a:t>2</a:t>
+            </a:fld>
+            <a:endParaRPr lang="en-US"/>
+          </a:p>
+        </p:txBody>
+      </p:sp>
+    </p:spTree>
+    <p:extLst>
+      <p:ext uri="{BB962C8B-B14F-4D97-AF65-F5344CB8AC3E}">
+        <p14:creationId xmlns:p14="http://schemas.microsoft.com/office/powerpoint/2010/main" val="2054353908"/>
+      </p:ext>
+    </p:extLst>
+  </p:cSld>
+  <p:clrMapOvr>
+    <a:masterClrMapping/>
+  </p:clrMapOvr>
+</p:notes>
+</file>
+
+<file path=ppt/notesSlides/notesSlide3.xml><?xml version="1.0" encoding="utf-8"?>
+<p:notes xmlns:a="http://schemas.openxmlformats.org/drawingml/2006/main" xmlns:r="http://schemas.openxmlformats.org/officeDocument/2006/relationships" xmlns:p="http://schemas.openxmlformats.org/presentationml/2006/main">
+  <p:cSld>
+    <p:spTree>
+      <p:nvGrpSpPr>
+        <p:cNvPr id="1" name=""/>
+        <p:cNvGrpSpPr/>
+        <p:nvPr/>
+      </p:nvGrpSpPr>
+      <p:grpSpPr>
+        <a:xfrm>
+          <a:off x="0" y="0"/>
+          <a:ext cx="0" cy="0"/>
+          <a:chOff x="0" y="0"/>
+          <a:chExt cx="0" cy="0"/>
+        </a:xfrm>
+      </p:grpSpPr>
+      <p:sp>
+        <p:nvSpPr>
+          <p:cNvPr id="2" name="Slide Image Placeholder 1"/>
+          <p:cNvSpPr>
+            <a:spLocks noGrp="1" noRot="1" noChangeAspect="1"/>
+          </p:cNvSpPr>
+          <p:nvPr>
+            <p:ph type="sldImg"/>
+          </p:nvPr>
+        </p:nvSpPr>
+        <p:spPr/>
+      </p:sp>
+      <p:sp>
+        <p:nvSpPr>
+          <p:cNvPr id="3" name="Notes Placeholder 2"/>
+          <p:cNvSpPr>
+            <a:spLocks noGrp="1"/>
+          </p:cNvSpPr>
+          <p:nvPr>
+            <p:ph type="body" idx="1"/>
+          </p:nvPr>
+        </p:nvSpPr>
+        <p:spPr/>
+        <p:txBody>
+          <a:bodyPr/>
+          <a:lstStyle/>
+          <a:p>
+            <a:endParaRPr lang="en-US" dirty="0" smtClean="0"/>
+          </a:p>
+          <a:p>
+            <a:r>
+              <a:rPr lang="en-US" dirty="0" smtClean="0"/>
+              <a:t>In his role at Shippable, Tom has the unique opportunity to dive deep on both the technical and business aspects of CI/CD, DevOps, and modern architectures leveraging containers, and brings a broad perspective on the many companies and options available in the container ecosystem based on his work developing Shippable integration partnerships.  With twenty-five years experience in large companies (Microsoft, SAP) and his own software startups, he understands the full spectrum of challenges facing software teams, large and small.</a:t>
+            </a:r>
+          </a:p>
+          <a:p>
+            <a:endParaRPr lang="en-US" dirty="0" smtClean="0"/>
+          </a:p>
+          <a:p>
+            <a:r>
+              <a:rPr lang="en-US" dirty="0" smtClean="0"/>
+              <a:t>As </a:t>
+            </a:r>
+            <a:r>
+              <a:rPr lang="en-US" dirty="0" err="1" smtClean="0"/>
+              <a:t>Shippable’s</a:t>
+            </a:r>
+            <a:r>
+              <a:rPr lang="en-US" dirty="0" smtClean="0"/>
+              <a:t> Developer Evangelist, Wilson brings his 20 years of deep technical experience tuning enterprise systems. He is a regular blogger and speaker on use of Git for software development and DevOps.</a:t>
+            </a:r>
+          </a:p>
+          <a:p>
+            <a:endParaRPr lang="en-US" dirty="0"/>
+          </a:p>
+        </p:txBody>
+      </p:sp>
+      <p:sp>
+        <p:nvSpPr>
+          <p:cNvPr id="4" name="Slide Number Placeholder 3"/>
+          <p:cNvSpPr>
+            <a:spLocks noGrp="1"/>
+          </p:cNvSpPr>
+          <p:nvPr>
+            <p:ph type="sldNum" sz="quarter" idx="10"/>
+          </p:nvPr>
+        </p:nvSpPr>
+        <p:spPr/>
+        <p:txBody>
+          <a:bodyPr/>
+          <a:lstStyle/>
+          <a:p>
+            <a:pPr>
+              <a:defRPr/>
+            </a:pPr>
+            <a:fld id="{631C2E65-C48E-EB49-B8DF-701DB40EA457}" type="slidenum">
+              <a:rPr lang="en-US" smtClean="0"/>
+              <a:pPr>
+                <a:defRPr/>
+              </a:pPr>
+              <a:t>3</a:t>
+            </a:fld>
+            <a:endParaRPr lang="en-US"/>
+          </a:p>
+        </p:txBody>
+      </p:sp>
+    </p:spTree>
+    <p:extLst>
+      <p:ext uri="{BB962C8B-B14F-4D97-AF65-F5344CB8AC3E}">
+        <p14:creationId xmlns:p14="http://schemas.microsoft.com/office/powerpoint/2010/main" val="2054353908"/>
+      </p:ext>
+    </p:extLst>
+  </p:cSld>
+  <p:clrMapOvr>
+    <a:masterClrMapping/>
+  </p:clrMapOvr>
+</p:notes>
+</file>
+
+<file path=ppt/notesSlides/notesSlide4.xml><?xml version="1.0" encoding="utf-8"?>
+<p:notes xmlns:a="http://schemas.openxmlformats.org/drawingml/2006/main" xmlns:r="http://schemas.openxmlformats.org/officeDocument/2006/relationships" xmlns:p="http://schemas.openxmlformats.org/presentationml/2006/main">
+  <p:cSld>
+    <p:spTree>
+      <p:nvGrpSpPr>
+        <p:cNvPr id="1" name=""/>
+        <p:cNvGrpSpPr/>
+        <p:nvPr/>
+      </p:nvGrpSpPr>
+      <p:grpSpPr>
+        <a:xfrm>
+          <a:off x="0" y="0"/>
+          <a:ext cx="0" cy="0"/>
+          <a:chOff x="0" y="0"/>
+          <a:chExt cx="0" cy="0"/>
+        </a:xfrm>
+      </p:grpSpPr>
+      <p:sp>
+        <p:nvSpPr>
+          <p:cNvPr id="2" name="Slide Image Placeholder 1"/>
+          <p:cNvSpPr>
+            <a:spLocks noGrp="1" noRot="1" noChangeAspect="1"/>
+          </p:cNvSpPr>
+          <p:nvPr>
+            <p:ph type="sldImg"/>
+          </p:nvPr>
+        </p:nvSpPr>
+        <p:spPr/>
+      </p:sp>
+      <p:sp>
+        <p:nvSpPr>
+          <p:cNvPr id="3" name="Notes Placeholder 2"/>
+          <p:cNvSpPr>
+            <a:spLocks noGrp="1"/>
+          </p:cNvSpPr>
+          <p:nvPr>
+            <p:ph type="body" idx="1"/>
+          </p:nvPr>
+        </p:nvSpPr>
+        <p:spPr/>
+        <p:txBody>
+          <a:bodyPr/>
+          <a:lstStyle/>
+          <a:p>
+            <a:endParaRPr lang="en-US" dirty="0" smtClean="0"/>
+          </a:p>
+          <a:p>
+            <a:r>
+              <a:rPr lang="en-US" dirty="0" smtClean="0"/>
+              <a:t>In his role at Shippable, Tom has the unique opportunity to dive deep on both the technical and business aspects of CI/CD, DevOps, and modern architectures leveraging containers, and brings a broad perspective on the many companies and options available in the container ecosystem based on his work developing Shippable integration partnerships.  With twenty-five years experience in large companies (Microsoft, SAP) and his own software startups, he understands the full spectrum of challenges facing software teams, large and small.</a:t>
+            </a:r>
+          </a:p>
+          <a:p>
+            <a:endParaRPr lang="en-US" dirty="0" smtClean="0"/>
+          </a:p>
+          <a:p>
+            <a:r>
+              <a:rPr lang="en-US" dirty="0" smtClean="0"/>
+              <a:t>As </a:t>
+            </a:r>
+            <a:r>
+              <a:rPr lang="en-US" dirty="0" err="1" smtClean="0"/>
+              <a:t>Shippable’s</a:t>
+            </a:r>
+            <a:r>
+              <a:rPr lang="en-US" dirty="0" smtClean="0"/>
+              <a:t> Developer Evangelist, Wilson brings his 20 years of deep technical experience tuning enterprise systems. He is a regular blogger and speaker on use of Git for software development and DevOps.</a:t>
+            </a:r>
+          </a:p>
+          <a:p>
+            <a:endParaRPr lang="en-US" dirty="0"/>
+          </a:p>
+        </p:txBody>
+      </p:sp>
+      <p:sp>
+        <p:nvSpPr>
+          <p:cNvPr id="4" name="Slide Number Placeholder 3"/>
+          <p:cNvSpPr>
+            <a:spLocks noGrp="1"/>
+          </p:cNvSpPr>
+          <p:nvPr>
+            <p:ph type="sldNum" sz="quarter" idx="10"/>
+          </p:nvPr>
+        </p:nvSpPr>
+        <p:spPr/>
+        <p:txBody>
+          <a:bodyPr/>
+          <a:lstStyle/>
+          <a:p>
+            <a:pPr>
+              <a:defRPr/>
+            </a:pPr>
+            <a:fld id="{631C2E65-C48E-EB49-B8DF-701DB40EA457}" type="slidenum">
+              <a:rPr lang="en-US" smtClean="0"/>
+              <a:pPr>
+                <a:defRPr/>
+              </a:pPr>
+              <a:t>4</a:t>
+            </a:fld>
+            <a:endParaRPr lang="en-US"/>
+          </a:p>
+        </p:txBody>
+      </p:sp>
+    </p:spTree>
+    <p:extLst>
+      <p:ext uri="{BB962C8B-B14F-4D97-AF65-F5344CB8AC3E}">
+        <p14:creationId xmlns:p14="http://schemas.microsoft.com/office/powerpoint/2010/main" val="2054353908"/>
+      </p:ext>
+    </p:extLst>
+  </p:cSld>
+  <p:clrMapOvr>
+    <a:masterClrMapping/>
+  </p:clrMapOvr>
+</p:notes>
+</file>
+
+<file path=ppt/notesSlides/notesSlide5.xml><?xml version="1.0" encoding="utf-8"?>
+<p:notes xmlns:a="http://schemas.openxmlformats.org/drawingml/2006/main" xmlns:r="http://schemas.openxmlformats.org/officeDocument/2006/relationships" xmlns:p="http://schemas.openxmlformats.org/presentationml/2006/main">
+  <p:cSld>
+    <p:spTree>
+      <p:nvGrpSpPr>
+        <p:cNvPr id="1" name=""/>
+        <p:cNvGrpSpPr/>
+        <p:nvPr/>
+      </p:nvGrpSpPr>
+      <p:grpSpPr>
+        <a:xfrm>
+          <a:off x="0" y="0"/>
+          <a:ext cx="0" cy="0"/>
+          <a:chOff x="0" y="0"/>
+          <a:chExt cx="0" cy="0"/>
+        </a:xfrm>
+      </p:grpSpPr>
+      <p:sp>
+        <p:nvSpPr>
+          <p:cNvPr id="2" name="Slide Image Placeholder 1"/>
+          <p:cNvSpPr>
+            <a:spLocks noGrp="1" noRot="1" noChangeAspect="1"/>
+          </p:cNvSpPr>
+          <p:nvPr>
+            <p:ph type="sldImg"/>
+          </p:nvPr>
+        </p:nvSpPr>
+        <p:spPr/>
+      </p:sp>
+      <p:sp>
+        <p:nvSpPr>
+          <p:cNvPr id="3" name="Notes Placeholder 2"/>
+          <p:cNvSpPr>
+            <a:spLocks noGrp="1"/>
+          </p:cNvSpPr>
+          <p:nvPr>
+            <p:ph type="body" idx="1"/>
+          </p:nvPr>
+        </p:nvSpPr>
+        <p:spPr/>
+        <p:txBody>
+          <a:bodyPr/>
+          <a:lstStyle/>
+          <a:p>
+            <a:endParaRPr lang="en-US" dirty="0"/>
+          </a:p>
+        </p:txBody>
+      </p:sp>
+      <p:sp>
+        <p:nvSpPr>
+          <p:cNvPr id="4" name="Slide Number Placeholder 3"/>
+          <p:cNvSpPr>
+            <a:spLocks noGrp="1"/>
+          </p:cNvSpPr>
+          <p:nvPr>
+            <p:ph type="sldNum" sz="quarter" idx="10"/>
+          </p:nvPr>
+        </p:nvSpPr>
+        <p:spPr/>
+        <p:txBody>
+          <a:bodyPr/>
+          <a:lstStyle/>
+          <a:p>
+            <a:pPr>
+              <a:defRPr/>
+            </a:pPr>
+            <a:fld id="{631C2E65-C48E-EB49-B8DF-701DB40EA457}" type="slidenum">
+              <a:rPr lang="en-US" smtClean="0"/>
+              <a:pPr>
+                <a:defRPr/>
+              </a:pPr>
+              <a:t>5</a:t>
+            </a:fld>
+            <a:endParaRPr lang="en-US"/>
+          </a:p>
+        </p:txBody>
+      </p:sp>
+    </p:spTree>
+    <p:extLst>
+      <p:ext uri="{BB962C8B-B14F-4D97-AF65-F5344CB8AC3E}">
+        <p14:creationId xmlns:p14="http://schemas.microsoft.com/office/powerpoint/2010/main" val="3330040866"/>
+      </p:ext>
+    </p:extLst>
+  </p:cSld>
+  <p:clrMapOvr>
+    <a:masterClrMapping/>
+  </p:clrMapOvr>
+</p:notes>
+</file>
+
+<file path=ppt/notesSlides/notesSlide6.xml><?xml version="1.0" encoding="utf-8"?>
+<p:notes xmlns:a="http://schemas.openxmlformats.org/drawingml/2006/main" xmlns:r="http://schemas.openxmlformats.org/officeDocument/2006/relationships" xmlns:p="http://schemas.openxmlformats.org/presentationml/2006/main">
+  <p:cSld>
+    <p:spTree>
+      <p:nvGrpSpPr>
+        <p:cNvPr id="1" name=""/>
+        <p:cNvGrpSpPr/>
+        <p:nvPr/>
+      </p:nvGrpSpPr>
+      <p:grpSpPr>
+        <a:xfrm>
+          <a:off x="0" y="0"/>
+          <a:ext cx="0" cy="0"/>
+          <a:chOff x="0" y="0"/>
+          <a:chExt cx="0" cy="0"/>
+        </a:xfrm>
+      </p:grpSpPr>
+      <p:sp>
+        <p:nvSpPr>
+          <p:cNvPr id="2" name="Slide Image Placeholder 1"/>
+          <p:cNvSpPr>
+            <a:spLocks noGrp="1" noRot="1" noChangeAspect="1"/>
+          </p:cNvSpPr>
+          <p:nvPr>
+            <p:ph type="sldImg"/>
+          </p:nvPr>
+        </p:nvSpPr>
+        <p:spPr/>
+      </p:sp>
+      <p:sp>
+        <p:nvSpPr>
+          <p:cNvPr id="3" name="Notes Placeholder 2"/>
+          <p:cNvSpPr>
+            <a:spLocks noGrp="1"/>
+          </p:cNvSpPr>
+          <p:nvPr>
+            <p:ph type="body" idx="1"/>
+          </p:nvPr>
+        </p:nvSpPr>
+        <p:spPr/>
+        <p:txBody>
+          <a:bodyPr/>
+          <a:lstStyle/>
+          <a:p>
+            <a:r>
+              <a:rPr lang="en-US" dirty="0" smtClean="0"/>
+              <a:t>In</a:t>
+            </a:r>
+            <a:r>
+              <a:rPr lang="en-US" baseline="0" dirty="0" smtClean="0"/>
+              <a:t> Jenkins1, these are several separate jobs.</a:t>
+            </a:r>
+            <a:endParaRPr lang="en-US" dirty="0" smtClean="0"/>
+          </a:p>
+          <a:p>
+            <a:r>
+              <a:rPr lang="en-US" dirty="0" smtClean="0"/>
+              <a:t>[32:45] http://</a:t>
+            </a:r>
+            <a:r>
+              <a:rPr lang="en-US" dirty="0" err="1" smtClean="0"/>
+              <a:t>www.infoq.com</a:t>
+            </a:r>
+            <a:r>
+              <a:rPr lang="en-US" dirty="0" smtClean="0"/>
+              <a:t>/articles/</a:t>
+            </a:r>
+            <a:r>
+              <a:rPr lang="en-US" dirty="0" err="1" smtClean="0"/>
+              <a:t>orch</a:t>
+            </a:r>
+            <a:r>
+              <a:rPr lang="en-US" dirty="0" smtClean="0"/>
+              <a:t>-pipelines-</a:t>
+            </a:r>
+            <a:r>
+              <a:rPr lang="en-US" dirty="0" err="1" smtClean="0"/>
+              <a:t>jenkins</a:t>
+            </a:r>
+            <a:endParaRPr lang="en-US" dirty="0" smtClean="0"/>
+          </a:p>
+          <a:p>
+            <a:r>
+              <a:rPr lang="en-US" dirty="0" smtClean="0"/>
+              <a:t>	March 29, 2014</a:t>
+            </a:r>
+          </a:p>
+          <a:p>
+            <a:r>
+              <a:rPr lang="en-US" dirty="0" smtClean="0"/>
+              <a:t>* Ensuring reproducible builds</a:t>
+            </a:r>
+          </a:p>
+          <a:p>
+            <a:r>
+              <a:rPr lang="en-US" dirty="0" smtClean="0"/>
+              <a:t>* Sharing build artifacts throughout the pipeline</a:t>
+            </a:r>
+          </a:p>
+          <a:p>
+            <a:r>
+              <a:rPr lang="en-US" dirty="0" smtClean="0"/>
+              <a:t>* Choosing the right granularity for each job</a:t>
+            </a:r>
+          </a:p>
+          <a:p>
+            <a:r>
+              <a:rPr lang="en-US" dirty="0" smtClean="0"/>
+              <a:t>* Parallelizing and joining jobs</a:t>
+            </a:r>
+          </a:p>
+          <a:p>
+            <a:r>
+              <a:rPr lang="en-US" dirty="0" smtClean="0"/>
+              <a:t>* Gates and approvals</a:t>
+            </a:r>
+          </a:p>
+          <a:p>
+            <a:r>
+              <a:rPr lang="en-US" dirty="0" smtClean="0"/>
+              <a:t>* Visualizing the pipeline</a:t>
+            </a:r>
+          </a:p>
+          <a:p>
+            <a:r>
+              <a:rPr lang="en-US" dirty="0" smtClean="0"/>
+              <a:t>* Organizing and securing jobs</a:t>
+            </a:r>
+          </a:p>
+          <a:p>
+            <a:r>
+              <a:rPr lang="en-US" dirty="0" smtClean="0"/>
+              <a:t>* Good practice: versioning your Jenkins configuration</a:t>
+            </a:r>
+            <a:endParaRPr lang="en-US" dirty="0"/>
+          </a:p>
+        </p:txBody>
+      </p:sp>
+      <p:sp>
+        <p:nvSpPr>
+          <p:cNvPr id="4" name="Slide Number Placeholder 3"/>
+          <p:cNvSpPr>
+            <a:spLocks noGrp="1"/>
+          </p:cNvSpPr>
+          <p:nvPr>
+            <p:ph type="sldNum" sz="quarter" idx="10"/>
+          </p:nvPr>
+        </p:nvSpPr>
+        <p:spPr/>
+        <p:txBody>
+          <a:bodyPr/>
+          <a:lstStyle/>
+          <a:p>
+            <a:pPr>
+              <a:defRPr/>
+            </a:pPr>
+            <a:fld id="{631C2E65-C48E-EB49-B8DF-701DB40EA457}" type="slidenum">
+              <a:rPr lang="en-US" smtClean="0"/>
+              <a:pPr>
+                <a:defRPr/>
+              </a:pPr>
+              <a:t>6</a:t>
+            </a:fld>
+            <a:endParaRPr lang="en-US"/>
+          </a:p>
+        </p:txBody>
+      </p:sp>
+    </p:spTree>
+    <p:extLst>
+      <p:ext uri="{BB962C8B-B14F-4D97-AF65-F5344CB8AC3E}">
+        <p14:creationId xmlns:p14="http://schemas.microsoft.com/office/powerpoint/2010/main" val="3795941462"/>
+      </p:ext>
+    </p:extLst>
+  </p:cSld>
+  <p:clrMapOvr>
+    <a:masterClrMapping/>
+  </p:clrMapOvr>
+</p:notes>
+</file>
+
+<file path=ppt/notesSlides/notesSlide7.xml><?xml version="1.0" encoding="utf-8"?>
+<p:notes xmlns:a="http://schemas.openxmlformats.org/drawingml/2006/main" xmlns:r="http://schemas.openxmlformats.org/officeDocument/2006/relationships" xmlns:p="http://schemas.openxmlformats.org/presentationml/2006/main">
+  <p:cSld>
+    <p:spTree>
+      <p:nvGrpSpPr>
+        <p:cNvPr id="1" name=""/>
+        <p:cNvGrpSpPr/>
+        <p:nvPr/>
+      </p:nvGrpSpPr>
+      <p:grpSpPr>
+        <a:xfrm>
+          <a:off x="0" y="0"/>
+          <a:ext cx="0" cy="0"/>
+          <a:chOff x="0" y="0"/>
+          <a:chExt cx="0" cy="0"/>
+        </a:xfrm>
+      </p:grpSpPr>
+      <p:sp>
+        <p:nvSpPr>
+          <p:cNvPr id="2" name="Slide Image Placeholder 1"/>
+          <p:cNvSpPr>
+            <a:spLocks noGrp="1" noRot="1" noChangeAspect="1"/>
+          </p:cNvSpPr>
+          <p:nvPr>
+            <p:ph type="sldImg"/>
+          </p:nvPr>
+        </p:nvSpPr>
+        <p:spPr/>
+      </p:sp>
+      <p:sp>
+        <p:nvSpPr>
+          <p:cNvPr id="3" name="Notes Placeholder 2"/>
+          <p:cNvSpPr>
+            <a:spLocks noGrp="1"/>
+          </p:cNvSpPr>
+          <p:nvPr>
+            <p:ph type="body" idx="1"/>
+          </p:nvPr>
+        </p:nvSpPr>
+        <p:spPr/>
+        <p:txBody>
+          <a:bodyPr/>
+          <a:lstStyle/>
+          <a:p>
+            <a:r>
+              <a:rPr lang="en-US" dirty="0" smtClean="0"/>
+              <a:t>grunt</a:t>
+            </a:r>
+            <a:endParaRPr lang="en-US" dirty="0"/>
+          </a:p>
+        </p:txBody>
+      </p:sp>
+      <p:sp>
+        <p:nvSpPr>
+          <p:cNvPr id="4" name="Slide Number Placeholder 3"/>
+          <p:cNvSpPr>
+            <a:spLocks noGrp="1"/>
+          </p:cNvSpPr>
+          <p:nvPr>
+            <p:ph type="sldNum" sz="quarter" idx="10"/>
+          </p:nvPr>
+        </p:nvSpPr>
+        <p:spPr/>
+        <p:txBody>
+          <a:bodyPr/>
+          <a:lstStyle/>
+          <a:p>
+            <a:pPr>
+              <a:defRPr/>
+            </a:pPr>
+            <a:fld id="{631C2E65-C48E-EB49-B8DF-701DB40EA457}" type="slidenum">
+              <a:rPr lang="en-US" smtClean="0"/>
+              <a:pPr>
+                <a:defRPr/>
+              </a:pPr>
+              <a:t>7</a:t>
             </a:fld>
             <a:endParaRPr lang="en-US"/>
           </a:p>
@@ -1580,7 +2229,7 @@
               <a:pPr>
                 <a:defRPr/>
               </a:pPr>
-              <a:t>7/29/16</a:t>
+              <a:t>8/3/16</a:t>
             </a:fld>
             <a:endParaRPr lang="en-US"/>
           </a:p>
@@ -2302,6 +2951,579 @@
       </p:grpSpPr>
       <p:sp>
         <p:nvSpPr>
+          <p:cNvPr id="2" name="Title 1"/>
+          <p:cNvSpPr>
+            <a:spLocks noGrp="1"/>
+          </p:cNvSpPr>
+          <p:nvPr>
+            <p:ph type="title"/>
+          </p:nvPr>
+        </p:nvSpPr>
+        <p:spPr/>
+        <p:txBody>
+          <a:bodyPr/>
+          <a:lstStyle/>
+          <a:p>
+            <a:r>
+              <a:rPr lang="en-US" dirty="0" smtClean="0"/>
+              <a:t>Introductions</a:t>
+            </a:r>
+            <a:endParaRPr lang="en-US" dirty="0"/>
+          </a:p>
+        </p:txBody>
+      </p:sp>
+      <p:sp>
+        <p:nvSpPr>
+          <p:cNvPr id="3" name="Content Placeholder 2"/>
+          <p:cNvSpPr>
+            <a:spLocks noGrp="1"/>
+          </p:cNvSpPr>
+          <p:nvPr>
+            <p:ph idx="1"/>
+          </p:nvPr>
+        </p:nvSpPr>
+        <p:spPr/>
+        <p:txBody>
+          <a:bodyPr/>
+          <a:lstStyle/>
+          <a:p>
+            <a:endParaRPr lang="en-US"/>
+          </a:p>
+        </p:txBody>
+      </p:sp>
+    </p:spTree>
+    <p:extLst>
+      <p:ext uri="{BB962C8B-B14F-4D97-AF65-F5344CB8AC3E}">
+        <p14:creationId xmlns:p14="http://schemas.microsoft.com/office/powerpoint/2010/main" val="1249771501"/>
+      </p:ext>
+    </p:extLst>
+  </p:cSld>
+  <p:clrMapOvr>
+    <a:masterClrMapping/>
+  </p:clrMapOvr>
+</p:sld>
+</file>
+
+<file path=ppt/slides/slide2.xml><?xml version="1.0" encoding="utf-8"?>
+<p:sld xmlns:a="http://schemas.openxmlformats.org/drawingml/2006/main" xmlns:r="http://schemas.openxmlformats.org/officeDocument/2006/relationships" xmlns:p="http://schemas.openxmlformats.org/presentationml/2006/main">
+  <p:cSld>
+    <p:spTree>
+      <p:nvGrpSpPr>
+        <p:cNvPr id="1" name=""/>
+        <p:cNvGrpSpPr/>
+        <p:nvPr/>
+      </p:nvGrpSpPr>
+      <p:grpSpPr>
+        <a:xfrm>
+          <a:off x="0" y="0"/>
+          <a:ext cx="0" cy="0"/>
+          <a:chOff x="0" y="0"/>
+          <a:chExt cx="0" cy="0"/>
+        </a:xfrm>
+      </p:grpSpPr>
+      <p:sp>
+        <p:nvSpPr>
+          <p:cNvPr id="2" name="Title 1"/>
+          <p:cNvSpPr>
+            <a:spLocks noGrp="1"/>
+          </p:cNvSpPr>
+          <p:nvPr>
+            <p:ph type="title"/>
+          </p:nvPr>
+        </p:nvSpPr>
+        <p:spPr/>
+        <p:txBody>
+          <a:bodyPr/>
+          <a:lstStyle/>
+          <a:p>
+            <a:r>
+              <a:rPr lang="en-US" dirty="0" smtClean="0"/>
+              <a:t>Jenkins 2.0</a:t>
+            </a:r>
+            <a:endParaRPr lang="en-US" dirty="0"/>
+          </a:p>
+        </p:txBody>
+      </p:sp>
+      <p:sp>
+        <p:nvSpPr>
+          <p:cNvPr id="3" name="Content Placeholder 2"/>
+          <p:cNvSpPr>
+            <a:spLocks noGrp="1"/>
+          </p:cNvSpPr>
+          <p:nvPr>
+            <p:ph idx="1"/>
+          </p:nvPr>
+        </p:nvSpPr>
+        <p:spPr>
+          <a:xfrm>
+            <a:off x="923582" y="187249"/>
+            <a:ext cx="7988267" cy="4620349"/>
+          </a:xfrm>
+        </p:spPr>
+        <p:txBody>
+          <a:bodyPr/>
+          <a:lstStyle/>
+          <a:p>
+            <a:pPr marL="457200" indent="-457200">
+              <a:buFont typeface="+mj-lt"/>
+              <a:buAutoNum type="arabicPeriod"/>
+            </a:pPr>
+            <a:r>
+              <a:rPr lang="en-US" sz="2400" dirty="0" smtClean="0"/>
+              <a:t>Entire pipeline in </a:t>
+            </a:r>
+            <a:r>
+              <a:rPr lang="en-US" sz="2400" dirty="0"/>
+              <a:t>text </a:t>
+            </a:r>
+            <a:r>
+              <a:rPr lang="en-US" sz="2400" dirty="0" smtClean="0"/>
+              <a:t>Jenkinsfile in SCM (GitHub)</a:t>
+            </a:r>
+          </a:p>
+          <a:p>
+            <a:pPr marL="457200" indent="-457200">
+              <a:buFont typeface="+mj-lt"/>
+              <a:buAutoNum type="arabicPeriod"/>
+            </a:pPr>
+            <a:r>
+              <a:rPr lang="en-US" sz="2400" dirty="0" smtClean="0"/>
+              <a:t>Series </a:t>
+            </a:r>
+            <a:r>
+              <a:rPr lang="en-US" sz="2400" dirty="0"/>
+              <a:t>of stages </a:t>
+            </a:r>
+            <a:r>
+              <a:rPr lang="en-US" sz="2400" dirty="0" smtClean="0"/>
+              <a:t>defined in Jenkinsfile</a:t>
+            </a:r>
+            <a:endParaRPr lang="en-US" sz="2400" dirty="0"/>
+          </a:p>
+          <a:p>
+            <a:pPr marL="457200" indent="-457200">
+              <a:buFont typeface="+mj-lt"/>
+              <a:buAutoNum type="arabicPeriod"/>
+            </a:pPr>
+            <a:r>
+              <a:rPr lang="en-US" sz="2400" dirty="0" smtClean="0"/>
+              <a:t>Multiple SCM repositories in each job</a:t>
+            </a:r>
+          </a:p>
+          <a:p>
+            <a:pPr marL="457200" indent="-457200">
+              <a:buFont typeface="+mj-lt"/>
+              <a:buAutoNum type="arabicPeriod"/>
+            </a:pPr>
+            <a:r>
+              <a:rPr lang="en-US" sz="2400" dirty="0" smtClean="0"/>
+              <a:t>Jobs share reusable scripts, functions</a:t>
+            </a:r>
+            <a:r>
+              <a:rPr lang="en-US" sz="2400" dirty="0"/>
+              <a:t>, </a:t>
+            </a:r>
+            <a:r>
+              <a:rPr lang="en-US" sz="2400" dirty="0" smtClean="0"/>
+              <a:t>variables, flows</a:t>
+            </a:r>
+          </a:p>
+          <a:p>
+            <a:pPr marL="457200" indent="-457200">
+              <a:buFont typeface="+mj-lt"/>
+              <a:buAutoNum type="arabicPeriod"/>
+            </a:pPr>
+            <a:r>
+              <a:rPr lang="en-US" sz="2400" dirty="0" smtClean="0"/>
+              <a:t>Extendable </a:t>
+            </a:r>
+            <a:r>
+              <a:rPr lang="en-US" sz="2400" dirty="0"/>
+              <a:t>DSL with </a:t>
+            </a:r>
+            <a:r>
+              <a:rPr lang="en-US" sz="2400" dirty="0" smtClean="0"/>
+              <a:t>loops, logic</a:t>
+            </a:r>
+            <a:endParaRPr lang="en-US" sz="2400" dirty="0"/>
+          </a:p>
+          <a:p>
+            <a:pPr marL="457200" indent="-457200">
+              <a:buFont typeface="+mj-lt"/>
+              <a:buAutoNum type="arabicPeriod"/>
+            </a:pPr>
+            <a:r>
+              <a:rPr lang="en-US" sz="2400" dirty="0"/>
+              <a:t>Jobs </a:t>
+            </a:r>
+            <a:r>
+              <a:rPr lang="en-US" sz="2400" dirty="0" smtClean="0"/>
+              <a:t>can wait </a:t>
+            </a:r>
+            <a:r>
+              <a:rPr lang="en-US" sz="2400" dirty="0"/>
+              <a:t>for </a:t>
+            </a:r>
+            <a:r>
+              <a:rPr lang="en-US" sz="2400" dirty="0" smtClean="0"/>
+              <a:t>user input before </a:t>
+            </a:r>
+            <a:r>
+              <a:rPr lang="en-US" sz="2400" dirty="0"/>
+              <a:t>continuing</a:t>
+            </a:r>
+          </a:p>
+          <a:p>
+            <a:pPr marL="457200" indent="-457200">
+              <a:buFont typeface="+mj-lt"/>
+              <a:buAutoNum type="arabicPeriod"/>
+            </a:pPr>
+            <a:r>
+              <a:rPr lang="en-US" sz="2400" dirty="0" smtClean="0"/>
+              <a:t>Durable </a:t>
+            </a:r>
+            <a:r>
+              <a:rPr lang="en-US" sz="2400" dirty="0"/>
+              <a:t>tasks keep running while master restarts</a:t>
+            </a:r>
+          </a:p>
+          <a:p>
+            <a:pPr marL="457200" indent="-457200">
+              <a:buFont typeface="+mj-lt"/>
+              <a:buAutoNum type="arabicPeriod"/>
+            </a:pPr>
+            <a:r>
+              <a:rPr lang="en-US" sz="2400" dirty="0" smtClean="0"/>
+              <a:t>Jobs starting in one agent can switch to another</a:t>
+            </a:r>
+          </a:p>
+          <a:p>
+            <a:pPr marL="457200" indent="-457200">
+              <a:buFont typeface="+mj-lt"/>
+              <a:buAutoNum type="arabicPeriod"/>
+            </a:pPr>
+            <a:r>
+              <a:rPr lang="en-US" sz="2400" dirty="0" smtClean="0"/>
+              <a:t>Parallel execution of arbitrary build states ???</a:t>
+            </a:r>
+          </a:p>
+        </p:txBody>
+      </p:sp>
+    </p:spTree>
+    <p:extLst>
+      <p:ext uri="{BB962C8B-B14F-4D97-AF65-F5344CB8AC3E}">
+        <p14:creationId xmlns:p14="http://schemas.microsoft.com/office/powerpoint/2010/main" val="666480735"/>
+      </p:ext>
+    </p:extLst>
+  </p:cSld>
+  <p:clrMapOvr>
+    <a:masterClrMapping/>
+  </p:clrMapOvr>
+</p:sld>
+</file>
+
+<file path=ppt/slides/slide3.xml><?xml version="1.0" encoding="utf-8"?>
+<p:sld xmlns:a="http://schemas.openxmlformats.org/drawingml/2006/main" xmlns:r="http://schemas.openxmlformats.org/officeDocument/2006/relationships" xmlns:p="http://schemas.openxmlformats.org/presentationml/2006/main">
+  <p:cSld>
+    <p:spTree>
+      <p:nvGrpSpPr>
+        <p:cNvPr id="1" name=""/>
+        <p:cNvGrpSpPr/>
+        <p:nvPr/>
+      </p:nvGrpSpPr>
+      <p:grpSpPr>
+        <a:xfrm>
+          <a:off x="0" y="0"/>
+          <a:ext cx="0" cy="0"/>
+          <a:chOff x="0" y="0"/>
+          <a:chExt cx="0" cy="0"/>
+        </a:xfrm>
+      </p:grpSpPr>
+      <p:sp>
+        <p:nvSpPr>
+          <p:cNvPr id="2" name="Title 1"/>
+          <p:cNvSpPr>
+            <a:spLocks noGrp="1"/>
+          </p:cNvSpPr>
+          <p:nvPr>
+            <p:ph type="title"/>
+          </p:nvPr>
+        </p:nvSpPr>
+        <p:spPr/>
+        <p:txBody>
+          <a:bodyPr/>
+          <a:lstStyle/>
+          <a:p>
+            <a:r>
+              <a:rPr lang="en-US" dirty="0" smtClean="0"/>
+              <a:t>Shippable</a:t>
+            </a:r>
+            <a:endParaRPr lang="en-US" dirty="0"/>
+          </a:p>
+        </p:txBody>
+      </p:sp>
+      <p:sp>
+        <p:nvSpPr>
+          <p:cNvPr id="3" name="Content Placeholder 2"/>
+          <p:cNvSpPr>
+            <a:spLocks noGrp="1"/>
+          </p:cNvSpPr>
+          <p:nvPr>
+            <p:ph idx="1"/>
+          </p:nvPr>
+        </p:nvSpPr>
+        <p:spPr>
+          <a:xfrm>
+            <a:off x="923582" y="187249"/>
+            <a:ext cx="7988267" cy="4620349"/>
+          </a:xfrm>
+        </p:spPr>
+        <p:txBody>
+          <a:bodyPr/>
+          <a:lstStyle/>
+          <a:p>
+            <a:pPr marL="457200" indent="-457200">
+              <a:buFont typeface="+mj-lt"/>
+              <a:buAutoNum type="arabicPeriod"/>
+            </a:pPr>
+            <a:r>
+              <a:rPr lang="en-US" sz="2400" dirty="0" smtClean="0"/>
+              <a:t>GitHub or GH Enterprise or GitLab or Bitbucket</a:t>
+            </a:r>
+          </a:p>
+          <a:p>
+            <a:pPr marL="457200" indent="-457200">
+              <a:buFont typeface="+mj-lt"/>
+              <a:buAutoNum type="arabicPeriod"/>
+            </a:pPr>
+            <a:r>
+              <a:rPr lang="en-US" sz="2400" dirty="0" smtClean="0"/>
+              <a:t>Series </a:t>
+            </a:r>
+            <a:r>
+              <a:rPr lang="en-US" sz="2400" dirty="0"/>
+              <a:t>of stages </a:t>
+            </a:r>
+            <a:r>
+              <a:rPr lang="en-US" sz="2400" dirty="0" smtClean="0"/>
+              <a:t>defined in shippable.yml</a:t>
+            </a:r>
+            <a:endParaRPr lang="en-US" sz="2400" dirty="0"/>
+          </a:p>
+          <a:p>
+            <a:pPr marL="457200" indent="-457200">
+              <a:buFont typeface="+mj-lt"/>
+              <a:buAutoNum type="arabicPeriod"/>
+            </a:pPr>
+            <a:r>
+              <a:rPr lang="en-US" sz="2400" dirty="0" smtClean="0"/>
+              <a:t>Multiple SCM repositories in each job</a:t>
+            </a:r>
+          </a:p>
+          <a:p>
+            <a:pPr marL="457200" indent="-457200">
+              <a:buFont typeface="+mj-lt"/>
+              <a:buAutoNum type="arabicPeriod"/>
+            </a:pPr>
+            <a:r>
+              <a:rPr lang="en-US" sz="2400" dirty="0" smtClean="0"/>
+              <a:t>Jobs share reusable scripts, functions</a:t>
+            </a:r>
+            <a:r>
+              <a:rPr lang="en-US" sz="2400" dirty="0"/>
+              <a:t>, </a:t>
+            </a:r>
+            <a:r>
+              <a:rPr lang="en-US" sz="2400" dirty="0" smtClean="0"/>
+              <a:t>variables, flows</a:t>
+            </a:r>
+          </a:p>
+          <a:p>
+            <a:pPr marL="457200" indent="-457200">
+              <a:buFont typeface="+mj-lt"/>
+              <a:buAutoNum type="arabicPeriod"/>
+            </a:pPr>
+            <a:r>
+              <a:rPr lang="en-US" sz="2400" dirty="0" smtClean="0"/>
+              <a:t>Declarative pipeline workflow composable</a:t>
+            </a:r>
+          </a:p>
+          <a:p>
+            <a:pPr marL="457200" indent="-457200">
+              <a:buFont typeface="+mj-lt"/>
+              <a:buAutoNum type="arabicPeriod"/>
+            </a:pPr>
+            <a:r>
+              <a:rPr lang="en-US" sz="2400" dirty="0" smtClean="0"/>
+              <a:t>Jobs can wait </a:t>
+            </a:r>
+            <a:r>
+              <a:rPr lang="en-US" sz="2400" dirty="0"/>
+              <a:t>for </a:t>
+            </a:r>
+            <a:r>
+              <a:rPr lang="en-US" sz="2400" dirty="0" smtClean="0"/>
+              <a:t>user input before </a:t>
+            </a:r>
+            <a:r>
+              <a:rPr lang="en-US" sz="2400" dirty="0"/>
+              <a:t>continuing</a:t>
+            </a:r>
+          </a:p>
+          <a:p>
+            <a:pPr marL="457200" indent="-457200">
+              <a:buFont typeface="+mj-lt"/>
+              <a:buAutoNum type="arabicPeriod"/>
+            </a:pPr>
+            <a:r>
+              <a:rPr lang="en-US" sz="2400" dirty="0" err="1" smtClean="0"/>
+              <a:t>SaaS</a:t>
+            </a:r>
+            <a:r>
+              <a:rPr lang="en-US" sz="2400" dirty="0" smtClean="0"/>
+              <a:t>: Integrate with existing tools. </a:t>
+            </a:r>
+            <a:endParaRPr lang="en-US" sz="2400" dirty="0"/>
+          </a:p>
+          <a:p>
+            <a:pPr marL="457200" indent="-457200">
+              <a:buFont typeface="+mj-lt"/>
+              <a:buAutoNum type="arabicPeriod"/>
+            </a:pPr>
+            <a:r>
+              <a:rPr lang="en-US" sz="2400" dirty="0" smtClean="0"/>
+              <a:t>Auto-scaling &amp; switching of agents ???</a:t>
+            </a:r>
+          </a:p>
+          <a:p>
+            <a:pPr marL="457200" indent="-457200">
+              <a:buFont typeface="+mj-lt"/>
+              <a:buAutoNum type="arabicPeriod"/>
+            </a:pPr>
+            <a:r>
+              <a:rPr lang="en-US" sz="2400" dirty="0" smtClean="0"/>
+              <a:t>Parallel execution of arbitrary build states ???</a:t>
+            </a:r>
+          </a:p>
+        </p:txBody>
+      </p:sp>
+    </p:spTree>
+    <p:extLst>
+      <p:ext uri="{BB962C8B-B14F-4D97-AF65-F5344CB8AC3E}">
+        <p14:creationId xmlns:p14="http://schemas.microsoft.com/office/powerpoint/2010/main" val="2828121615"/>
+      </p:ext>
+    </p:extLst>
+  </p:cSld>
+  <p:clrMapOvr>
+    <a:masterClrMapping/>
+  </p:clrMapOvr>
+</p:sld>
+</file>
+
+<file path=ppt/slides/slide4.xml><?xml version="1.0" encoding="utf-8"?>
+<p:sld xmlns:a="http://schemas.openxmlformats.org/drawingml/2006/main" xmlns:r="http://schemas.openxmlformats.org/officeDocument/2006/relationships" xmlns:p="http://schemas.openxmlformats.org/presentationml/2006/main">
+  <p:cSld>
+    <p:spTree>
+      <p:nvGrpSpPr>
+        <p:cNvPr id="1" name=""/>
+        <p:cNvGrpSpPr/>
+        <p:nvPr/>
+      </p:nvGrpSpPr>
+      <p:grpSpPr>
+        <a:xfrm>
+          <a:off x="0" y="0"/>
+          <a:ext cx="0" cy="0"/>
+          <a:chOff x="0" y="0"/>
+          <a:chExt cx="0" cy="0"/>
+        </a:xfrm>
+      </p:grpSpPr>
+      <p:sp>
+        <p:nvSpPr>
+          <p:cNvPr id="2" name="Title 1"/>
+          <p:cNvSpPr>
+            <a:spLocks noGrp="1"/>
+          </p:cNvSpPr>
+          <p:nvPr>
+            <p:ph type="title"/>
+          </p:nvPr>
+        </p:nvSpPr>
+        <p:spPr/>
+        <p:txBody>
+          <a:bodyPr/>
+          <a:lstStyle/>
+          <a:p>
+            <a:r>
+              <a:rPr lang="en-US" dirty="0" err="1" smtClean="0"/>
+              <a:t>Cloudbees</a:t>
+            </a:r>
+            <a:r>
+              <a:rPr lang="en-US" dirty="0" smtClean="0"/>
+              <a:t> only</a:t>
+            </a:r>
+            <a:endParaRPr lang="en-US" dirty="0"/>
+          </a:p>
+        </p:txBody>
+      </p:sp>
+      <p:sp>
+        <p:nvSpPr>
+          <p:cNvPr id="3" name="Content Placeholder 2"/>
+          <p:cNvSpPr>
+            <a:spLocks noGrp="1"/>
+          </p:cNvSpPr>
+          <p:nvPr>
+            <p:ph idx="1"/>
+          </p:nvPr>
+        </p:nvSpPr>
+        <p:spPr/>
+        <p:txBody>
+          <a:bodyPr/>
+          <a:lstStyle/>
+          <a:p>
+            <a:r>
+              <a:rPr lang="en-US" dirty="0" smtClean="0"/>
+              <a:t>Resume from checkpoints</a:t>
+            </a:r>
+          </a:p>
+          <a:p>
+            <a:endParaRPr lang="en-US" dirty="0" smtClean="0"/>
+          </a:p>
+          <a:p>
+            <a:endParaRPr lang="en-US" dirty="0"/>
+          </a:p>
+        </p:txBody>
+      </p:sp>
+    </p:spTree>
+    <p:extLst>
+      <p:ext uri="{BB962C8B-B14F-4D97-AF65-F5344CB8AC3E}">
+        <p14:creationId xmlns:p14="http://schemas.microsoft.com/office/powerpoint/2010/main" val="3015145579"/>
+      </p:ext>
+    </p:extLst>
+  </p:cSld>
+  <p:clrMapOvr>
+    <a:masterClrMapping/>
+  </p:clrMapOvr>
+</p:sld>
+</file>
+
+<file path=ppt/slides/slide5.xml><?xml version="1.0" encoding="utf-8"?>
+<p:sld xmlns:a="http://schemas.openxmlformats.org/drawingml/2006/main" xmlns:r="http://schemas.openxmlformats.org/officeDocument/2006/relationships" xmlns:p="http://schemas.openxmlformats.org/presentationml/2006/main">
+  <p:cSld>
+    <p:spTree>
+      <p:nvGrpSpPr>
+        <p:cNvPr id="1" name=""/>
+        <p:cNvGrpSpPr/>
+        <p:nvPr/>
+      </p:nvGrpSpPr>
+      <p:grpSpPr>
+        <a:xfrm>
+          <a:off x="0" y="0"/>
+          <a:ext cx="0" cy="0"/>
+          <a:chOff x="0" y="0"/>
+          <a:chExt cx="0" cy="0"/>
+        </a:xfrm>
+      </p:grpSpPr>
+      <p:sp>
+        <p:nvSpPr>
           <p:cNvPr id="35" name="Title 1"/>
           <p:cNvSpPr>
             <a:spLocks noGrp="1"/>
@@ -2718,7 +3940,84 @@
 </p:sld>
 </file>
 
-<file path=ppt/slides/slide2.xml><?xml version="1.0" encoding="utf-8"?>
+<file path=ppt/slides/slide6.xml><?xml version="1.0" encoding="utf-8"?>
+<p:sld xmlns:a="http://schemas.openxmlformats.org/drawingml/2006/main" xmlns:r="http://schemas.openxmlformats.org/officeDocument/2006/relationships" xmlns:p="http://schemas.openxmlformats.org/presentationml/2006/main">
+  <p:cSld>
+    <p:spTree>
+      <p:nvGrpSpPr>
+        <p:cNvPr id="1" name=""/>
+        <p:cNvGrpSpPr/>
+        <p:nvPr/>
+      </p:nvGrpSpPr>
+      <p:grpSpPr>
+        <a:xfrm>
+          <a:off x="0" y="0"/>
+          <a:ext cx="0" cy="0"/>
+          <a:chOff x="0" y="0"/>
+          <a:chExt cx="0" cy="0"/>
+        </a:xfrm>
+      </p:grpSpPr>
+      <p:sp>
+        <p:nvSpPr>
+          <p:cNvPr id="2" name="Title 1"/>
+          <p:cNvSpPr>
+            <a:spLocks noGrp="1"/>
+          </p:cNvSpPr>
+          <p:nvPr>
+            <p:ph type="title"/>
+          </p:nvPr>
+        </p:nvSpPr>
+        <p:spPr/>
+        <p:txBody>
+          <a:bodyPr/>
+          <a:lstStyle/>
+          <a:p>
+            <a:r>
+              <a:rPr lang="en-US" dirty="0" smtClean="0"/>
+              <a:t>2014</a:t>
+            </a:r>
+            <a:endParaRPr lang="en-US" dirty="0"/>
+          </a:p>
+        </p:txBody>
+      </p:sp>
+      <p:pic>
+        <p:nvPicPr>
+          <p:cNvPr id="4" name="Picture 3"/>
+          <p:cNvPicPr>
+            <a:picLocks noChangeAspect="1"/>
+          </p:cNvPicPr>
+          <p:nvPr/>
+        </p:nvPicPr>
+        <p:blipFill>
+          <a:blip r:embed="rId3"/>
+          <a:stretch>
+            <a:fillRect/>
+          </a:stretch>
+        </p:blipFill>
+        <p:spPr>
+          <a:xfrm>
+            <a:off x="0" y="0"/>
+            <a:ext cx="9144000" cy="3668645"/>
+          </a:xfrm>
+          <a:prstGeom prst="rect">
+            <a:avLst/>
+          </a:prstGeom>
+        </p:spPr>
+      </p:pic>
+    </p:spTree>
+    <p:extLst>
+      <p:ext uri="{BB962C8B-B14F-4D97-AF65-F5344CB8AC3E}">
+        <p14:creationId xmlns:p14="http://schemas.microsoft.com/office/powerpoint/2010/main" val="3448170448"/>
+      </p:ext>
+    </p:extLst>
+  </p:cSld>
+  <p:clrMapOvr>
+    <a:masterClrMapping/>
+  </p:clrMapOvr>
+</p:sld>
+</file>
+
+<file path=ppt/slides/slide7.xml><?xml version="1.0" encoding="utf-8"?>
 <p:sld xmlns:a="http://schemas.openxmlformats.org/drawingml/2006/main" xmlns:r="http://schemas.openxmlformats.org/officeDocument/2006/relationships" xmlns:p="http://schemas.openxmlformats.org/presentationml/2006/main">
   <p:cSld>
     <p:spTree>
@@ -3236,19 +4535,8 @@
                 <a:latin typeface="Open Sans Light"/>
                 <a:cs typeface="Open Sans Light"/>
               </a:rPr>
-              <a:t>Instantiate CI </a:t>
-            </a:r>
-            <a:r>
-              <a:rPr lang="en-US" sz="1600" dirty="0" smtClean="0">
-                <a:latin typeface="Open Sans Light"/>
-                <a:cs typeface="Open Sans Light"/>
-              </a:rPr>
-              <a:t>server</a:t>
-            </a:r>
-            <a:endParaRPr lang="en-US" sz="1600" dirty="0" smtClean="0">
-              <a:latin typeface="Open Sans Light"/>
-              <a:cs typeface="Open Sans Light"/>
-            </a:endParaRPr>
+              <a:t>Instantiate CI server</a:t>
+            </a:r>
           </a:p>
         </p:txBody>
       </p:sp>
@@ -4106,10 +5394,6 @@
               </a:rPr>
               <a:t>commit, tag</a:t>
             </a:r>
-            <a:endParaRPr lang="en-US" sz="1600" dirty="0" smtClean="0">
-              <a:latin typeface="Open Sans Light"/>
-              <a:cs typeface="Open Sans Light"/>
-            </a:endParaRPr>
           </a:p>
         </p:txBody>
       </p:sp>
@@ -4157,7 +5441,7 @@
         </p:nvSpPr>
         <p:spPr>
           <a:xfrm>
-            <a:off x="7199420" y="3379529"/>
+            <a:off x="7199420" y="3390026"/>
             <a:ext cx="1691936" cy="1323439"/>
           </a:xfrm>
           <a:prstGeom prst="rect">
@@ -4209,8 +5493,12 @@
                 <a:latin typeface="Open Sans Light"/>
                 <a:cs typeface="Open Sans Light"/>
               </a:rPr>
-              <a:t>Scaling</a:t>
-            </a:r>
+              <a:t>Scaling test</a:t>
+            </a:r>
+            <a:endParaRPr lang="en-US" sz="1600" dirty="0" smtClean="0">
+              <a:latin typeface="Open Sans Light"/>
+              <a:cs typeface="Open Sans Light"/>
+            </a:endParaRPr>
           </a:p>
           <a:p>
             <a:pPr marL="342900" indent="-342900">
@@ -4222,7 +5510,14 @@
                 <a:latin typeface="Open Sans Light"/>
                 <a:cs typeface="Open Sans Light"/>
               </a:rPr>
-              <a:t>Notification to Slack</a:t>
+              <a:t>Notification to </a:t>
+            </a:r>
+            <a:r>
+              <a:rPr lang="en-US" sz="1600" dirty="0" smtClean="0">
+                <a:latin typeface="Open Sans Light"/>
+                <a:cs typeface="Open Sans Light"/>
+              </a:rPr>
+              <a:t>Slack, etc.</a:t>
             </a:r>
             <a:endParaRPr lang="en-US" sz="1600" dirty="0">
               <a:latin typeface="Open Sans Light"/>
@@ -4374,10 +5669,6 @@
               </a:rPr>
               <a:t>Functional smoke &amp; E2E test</a:t>
             </a:r>
-            <a:endParaRPr lang="en-US" sz="1600" dirty="0" smtClean="0">
-              <a:latin typeface="Open Sans Light"/>
-              <a:cs typeface="Open Sans Light"/>
-            </a:endParaRPr>
           </a:p>
         </p:txBody>
       </p:sp>
@@ -4414,10 +5705,6 @@
               </a:rPr>
               <a:t>Run Docker</a:t>
             </a:r>
-            <a:endParaRPr lang="en-US" sz="1600" dirty="0" smtClean="0">
-              <a:latin typeface="Open Sans Light"/>
-              <a:cs typeface="Open Sans Light"/>
-            </a:endParaRPr>
           </a:p>
         </p:txBody>
       </p:sp>
@@ -4585,10 +5872,6 @@
               </a:rPr>
               <a:t>Config. Jenkins packages</a:t>
             </a:r>
-            <a:endParaRPr lang="en-US" sz="1600" dirty="0" smtClean="0">
-              <a:latin typeface="Open Sans Light"/>
-              <a:cs typeface="Open Sans Light"/>
-            </a:endParaRPr>
           </a:p>
         </p:txBody>
       </p:sp>
@@ -4625,10 +5908,6 @@
               </a:rPr>
               <a:t>push</a:t>
             </a:r>
-            <a:endParaRPr lang="en-US" sz="1600" dirty="0" smtClean="0">
-              <a:latin typeface="Open Sans Light"/>
-              <a:cs typeface="Open Sans Light"/>
-            </a:endParaRPr>
           </a:p>
         </p:txBody>
       </p:sp>
@@ -4699,14 +5978,7 @@
                 <a:latin typeface="Open Sans Light"/>
                 <a:cs typeface="Open Sans Light"/>
               </a:rPr>
-              <a:t>Checkout </a:t>
-            </a:r>
-            <a:r>
-              <a:rPr lang="en-US" sz="1600" dirty="0" smtClean="0">
-                <a:latin typeface="Open Sans Light"/>
-                <a:cs typeface="Open Sans Light"/>
-              </a:rPr>
-              <a:t>from GitHub</a:t>
+              <a:t>Checkout from GitHub</a:t>
             </a:r>
           </a:p>
         </p:txBody>
@@ -6243,7 +7515,7 @@
 </p:sld>
 </file>
 
-<file path=ppt/slides/slide3.xml><?xml version="1.0" encoding="utf-8"?>
+<file path=ppt/slides/slide8.xml><?xml version="1.0" encoding="utf-8"?>
 <p:sld xmlns:a="http://schemas.openxmlformats.org/drawingml/2006/main" xmlns:r="http://schemas.openxmlformats.org/officeDocument/2006/relationships" xmlns:p="http://schemas.openxmlformats.org/presentationml/2006/main">
   <p:cSld>
     <p:spTree>
@@ -6600,7 +7872,7 @@
   <a:extraClrSchemeLst/>
   <a:extLst>
     <a:ext uri="{05A4C25C-085E-4340-85A3-A5531E510DB2}">
-      <thm15:themeFamily xmlns:thm15="http://schemas.microsoft.com/office/thememl/2012/main" xmlns="" name="ConcurCorporateTemplate2013_Helvetica_16x9" id="{A09BE1D0-94B0-44B7-9420-2ECF7BB955CC}" vid="{59E5CBDF-7240-4762-BDFB-AAFD424E1AE9}"/>
+      <thm15:themeFamily xmlns="" xmlns:thm15="http://schemas.microsoft.com/office/thememl/2012/main" name="ConcurCorporateTemplate2013_Helvetica_16x9" id="{A09BE1D0-94B0-44B7-9420-2ECF7BB955CC}" vid="{59E5CBDF-7240-4762-BDFB-AAFD424E1AE9}"/>
     </a:ext>
   </a:extLst>
 </a:theme>

--- a/fig/ci-pipeline-v01.pptx
+++ b/fig/ci-pipeline-v01.pptx
@@ -5,10 +5,10 @@
     <p:sldMasterId id="2147483660" r:id="rId1"/>
   </p:sldMasterIdLst>
   <p:notesMasterIdLst>
-    <p:notesMasterId r:id="rId10"/>
+    <p:notesMasterId r:id="rId11"/>
   </p:notesMasterIdLst>
   <p:handoutMasterIdLst>
-    <p:handoutMasterId r:id="rId11"/>
+    <p:handoutMasterId r:id="rId12"/>
   </p:handoutMasterIdLst>
   <p:sldIdLst>
     <p:sldId id="345" r:id="rId2"/>
@@ -19,6 +19,7 @@
     <p:sldId id="344" r:id="rId7"/>
     <p:sldId id="342" r:id="rId8"/>
     <p:sldId id="343" r:id="rId9"/>
+    <p:sldId id="349" r:id="rId10"/>
   </p:sldIdLst>
   <p:sldSz cx="9144000" cy="5143500" type="screen16x9"/>
   <p:notesSz cx="9144000" cy="6858000"/>
@@ -258,7 +259,7 @@
               <a:pPr>
                 <a:defRPr/>
               </a:pPr>
-              <a:t>8/3/16</a:t>
+              <a:t>8/8/16</a:t>
             </a:fld>
             <a:endParaRPr lang="en-US"/>
           </a:p>
@@ -472,7 +473,7 @@
               <a:pPr>
                 <a:defRPr/>
               </a:pPr>
-              <a:t>8/3/16</a:t>
+              <a:t>8/8/16</a:t>
             </a:fld>
             <a:endParaRPr lang="en-US"/>
           </a:p>
@@ -1186,32 +1187,6 @@
           <a:bodyPr/>
           <a:lstStyle/>
           <a:p>
-            <a:endParaRPr lang="en-US" dirty="0" smtClean="0"/>
-          </a:p>
-          <a:p>
-            <a:r>
-              <a:rPr lang="en-US" dirty="0" smtClean="0"/>
-              <a:t>In his role at Shippable, Tom has the unique opportunity to dive deep on both the technical and business aspects of CI/CD, DevOps, and modern architectures leveraging containers, and brings a broad perspective on the many companies and options available in the container ecosystem based on his work developing Shippable integration partnerships.  With twenty-five years experience in large companies (Microsoft, SAP) and his own software startups, he understands the full spectrum of challenges facing software teams, large and small.</a:t>
-            </a:r>
-          </a:p>
-          <a:p>
-            <a:endParaRPr lang="en-US" dirty="0" smtClean="0"/>
-          </a:p>
-          <a:p>
-            <a:r>
-              <a:rPr lang="en-US" dirty="0" smtClean="0"/>
-              <a:t>As </a:t>
-            </a:r>
-            <a:r>
-              <a:rPr lang="en-US" dirty="0" err="1" smtClean="0"/>
-              <a:t>Shippable’s</a:t>
-            </a:r>
-            <a:r>
-              <a:rPr lang="en-US" dirty="0" smtClean="0"/>
-              <a:t> Developer Evangelist, Wilson brings his 20 years of deep technical experience tuning enterprise systems. He is a regular blogger and speaker on use of Git for software development and DevOps.</a:t>
-            </a:r>
-          </a:p>
-          <a:p>
             <a:endParaRPr lang="en-US" dirty="0"/>
           </a:p>
         </p:txBody>
@@ -1613,6 +1588,128 @@
     <p:extLst>
       <p:ext uri="{BB962C8B-B14F-4D97-AF65-F5344CB8AC3E}">
         <p14:creationId xmlns:p14="http://schemas.microsoft.com/office/powerpoint/2010/main" val="3330040866"/>
+      </p:ext>
+    </p:extLst>
+  </p:cSld>
+  <p:clrMapOvr>
+    <a:masterClrMapping/>
+  </p:clrMapOvr>
+</p:notes>
+</file>
+
+<file path=ppt/notesSlides/notesSlide8.xml><?xml version="1.0" encoding="utf-8"?>
+<p:notes xmlns:a="http://schemas.openxmlformats.org/drawingml/2006/main" xmlns:r="http://schemas.openxmlformats.org/officeDocument/2006/relationships" xmlns:p="http://schemas.openxmlformats.org/presentationml/2006/main">
+  <p:cSld>
+    <p:spTree>
+      <p:nvGrpSpPr>
+        <p:cNvPr id="1" name=""/>
+        <p:cNvGrpSpPr/>
+        <p:nvPr/>
+      </p:nvGrpSpPr>
+      <p:grpSpPr>
+        <a:xfrm>
+          <a:off x="0" y="0"/>
+          <a:ext cx="0" cy="0"/>
+          <a:chOff x="0" y="0"/>
+          <a:chExt cx="0" cy="0"/>
+        </a:xfrm>
+      </p:grpSpPr>
+      <p:sp>
+        <p:nvSpPr>
+          <p:cNvPr id="2" name="Slide Image Placeholder 1"/>
+          <p:cNvSpPr>
+            <a:spLocks noGrp="1" noRot="1" noChangeAspect="1"/>
+          </p:cNvSpPr>
+          <p:nvPr>
+            <p:ph type="sldImg"/>
+          </p:nvPr>
+        </p:nvSpPr>
+        <p:spPr/>
+      </p:sp>
+      <p:sp>
+        <p:nvSpPr>
+          <p:cNvPr id="3" name="Notes Placeholder 2"/>
+          <p:cNvSpPr>
+            <a:spLocks noGrp="1"/>
+          </p:cNvSpPr>
+          <p:nvPr>
+            <p:ph type="body" idx="1"/>
+          </p:nvPr>
+        </p:nvSpPr>
+        <p:spPr/>
+        <p:txBody>
+          <a:bodyPr/>
+          <a:lstStyle/>
+          <a:p>
+            <a:r>
+              <a:rPr lang="en-US" dirty="0" smtClean="0"/>
+              <a:t>http://</a:t>
+            </a:r>
+            <a:r>
+              <a:rPr lang="en-US" dirty="0" err="1" smtClean="0"/>
+              <a:t>blog.shippable.com</a:t>
+            </a:r>
+            <a:r>
+              <a:rPr lang="en-US" dirty="0" smtClean="0"/>
+              <a:t>/integrate-with-</a:t>
+            </a:r>
+            <a:r>
+              <a:rPr lang="en-US" dirty="0" err="1" smtClean="0"/>
+              <a:t>quay.io</a:t>
+            </a:r>
+            <a:r>
+              <a:rPr lang="en-US" dirty="0" smtClean="0"/>
+              <a:t>-and-private-</a:t>
+            </a:r>
+            <a:r>
+              <a:rPr lang="en-US" dirty="0" err="1" smtClean="0"/>
+              <a:t>docker</a:t>
+            </a:r>
+            <a:r>
+              <a:rPr lang="en-US" err="1" smtClean="0"/>
+              <a:t>-</a:t>
+            </a:r>
+            <a:r>
+              <a:rPr lang="en-US" smtClean="0"/>
+              <a:t>registry</a:t>
+            </a:r>
+            <a:endParaRPr lang="en-US" dirty="0"/>
+          </a:p>
+        </p:txBody>
+      </p:sp>
+      <p:sp>
+        <p:nvSpPr>
+          <p:cNvPr id="4" name="Slide Number Placeholder 3"/>
+          <p:cNvSpPr>
+            <a:spLocks noGrp="1"/>
+          </p:cNvSpPr>
+          <p:nvPr>
+            <p:ph type="sldNum" sz="quarter" idx="10"/>
+          </p:nvPr>
+        </p:nvSpPr>
+        <p:spPr/>
+        <p:txBody>
+          <a:bodyPr/>
+          <a:lstStyle/>
+          <a:p>
+            <a:pPr>
+              <a:defRPr/>
+            </a:pPr>
+            <a:fld id="{631C2E65-C48E-EB49-B8DF-701DB40EA457}" type="slidenum">
+              <a:rPr lang="en-US" smtClean="0"/>
+              <a:pPr>
+                <a:defRPr/>
+              </a:pPr>
+              <a:t>9</a:t>
+            </a:fld>
+            <a:endParaRPr lang="en-US"/>
+          </a:p>
+        </p:txBody>
+      </p:sp>
+    </p:spTree>
+    <p:extLst>
+      <p:ext uri="{BB962C8B-B14F-4D97-AF65-F5344CB8AC3E}">
+        <p14:creationId xmlns:p14="http://schemas.microsoft.com/office/powerpoint/2010/main" val="2672517542"/>
       </p:ext>
     </p:extLst>
   </p:cSld>
@@ -2229,7 +2326,7 @@
               <a:pPr>
                 <a:defRPr/>
               </a:pPr>
-              <a:t>8/3/16</a:t>
+              <a:t>8/8/16</a:t>
             </a:fld>
             <a:endParaRPr lang="en-US"/>
           </a:p>
@@ -5495,10 +5592,6 @@
               </a:rPr>
               <a:t>Scaling test</a:t>
             </a:r>
-            <a:endParaRPr lang="en-US" sz="1600" dirty="0" smtClean="0">
-              <a:latin typeface="Open Sans Light"/>
-              <a:cs typeface="Open Sans Light"/>
-            </a:endParaRPr>
           </a:p>
           <a:p>
             <a:pPr marL="342900" indent="-342900">
@@ -5510,14 +5603,7 @@
                 <a:latin typeface="Open Sans Light"/>
                 <a:cs typeface="Open Sans Light"/>
               </a:rPr>
-              <a:t>Notification to </a:t>
-            </a:r>
-            <a:r>
-              <a:rPr lang="en-US" sz="1600" dirty="0" smtClean="0">
-                <a:latin typeface="Open Sans Light"/>
-                <a:cs typeface="Open Sans Light"/>
-              </a:rPr>
-              <a:t>Slack, etc.</a:t>
+              <a:t>Notification to Slack, etc.</a:t>
             </a:r>
             <a:endParaRPr lang="en-US" sz="1600" dirty="0">
               <a:latin typeface="Open Sans Light"/>
@@ -7588,6 +7674,74 @@
 </p:sld>
 </file>
 
+<file path=ppt/slides/slide9.xml><?xml version="1.0" encoding="utf-8"?>
+<p:sld xmlns:a="http://schemas.openxmlformats.org/drawingml/2006/main" xmlns:r="http://schemas.openxmlformats.org/officeDocument/2006/relationships" xmlns:p="http://schemas.openxmlformats.org/presentationml/2006/main">
+  <p:cSld>
+    <p:spTree>
+      <p:nvGrpSpPr>
+        <p:cNvPr id="1" name=""/>
+        <p:cNvGrpSpPr/>
+        <p:nvPr/>
+      </p:nvGrpSpPr>
+      <p:grpSpPr>
+        <a:xfrm>
+          <a:off x="0" y="0"/>
+          <a:ext cx="0" cy="0"/>
+          <a:chOff x="0" y="0"/>
+          <a:chExt cx="0" cy="0"/>
+        </a:xfrm>
+      </p:grpSpPr>
+      <p:sp>
+        <p:nvSpPr>
+          <p:cNvPr id="2" name="Title 1"/>
+          <p:cNvSpPr>
+            <a:spLocks noGrp="1"/>
+          </p:cNvSpPr>
+          <p:nvPr>
+            <p:ph type="title"/>
+          </p:nvPr>
+        </p:nvSpPr>
+        <p:spPr/>
+        <p:txBody>
+          <a:bodyPr/>
+          <a:lstStyle/>
+          <a:p>
+            <a:endParaRPr lang="en-US" dirty="0"/>
+          </a:p>
+        </p:txBody>
+      </p:sp>
+      <p:sp>
+        <p:nvSpPr>
+          <p:cNvPr id="3" name="Content Placeholder 2"/>
+          <p:cNvSpPr>
+            <a:spLocks noGrp="1"/>
+          </p:cNvSpPr>
+          <p:nvPr>
+            <p:ph idx="1"/>
+          </p:nvPr>
+        </p:nvSpPr>
+        <p:spPr/>
+        <p:txBody>
+          <a:bodyPr/>
+          <a:lstStyle/>
+          <a:p>
+            <a:endParaRPr lang="en-US"/>
+          </a:p>
+        </p:txBody>
+      </p:sp>
+    </p:spTree>
+    <p:extLst>
+      <p:ext uri="{BB962C8B-B14F-4D97-AF65-F5344CB8AC3E}">
+        <p14:creationId xmlns:p14="http://schemas.microsoft.com/office/powerpoint/2010/main" val="4063574344"/>
+      </p:ext>
+    </p:extLst>
+  </p:cSld>
+  <p:clrMapOvr>
+    <a:masterClrMapping/>
+  </p:clrMapOvr>
+</p:sld>
+</file>
+
 <file path=ppt/theme/theme1.xml><?xml version="1.0" encoding="utf-8"?>
 <a:theme xmlns:a="http://schemas.openxmlformats.org/drawingml/2006/main" name="ConcurCorporateTemplate2013_Helvetica_16x9">
   <a:themeElements>
@@ -7872,7 +8026,7 @@
   <a:extraClrSchemeLst/>
   <a:extLst>
     <a:ext uri="{05A4C25C-085E-4340-85A3-A5531E510DB2}">
-      <thm15:themeFamily xmlns="" xmlns:thm15="http://schemas.microsoft.com/office/thememl/2012/main" name="ConcurCorporateTemplate2013_Helvetica_16x9" id="{A09BE1D0-94B0-44B7-9420-2ECF7BB955CC}" vid="{59E5CBDF-7240-4762-BDFB-AAFD424E1AE9}"/>
+      <thm15:themeFamily xmlns:thm15="http://schemas.microsoft.com/office/thememl/2012/main" xmlns="" name="ConcurCorporateTemplate2013_Helvetica_16x9" id="{A09BE1D0-94B0-44B7-9420-2ECF7BB955CC}" vid="{59E5CBDF-7240-4762-BDFB-AAFD424E1AE9}"/>
     </a:ext>
   </a:extLst>
 </a:theme>

--- a/fig/ci-pipeline-v01.pptx
+++ b/fig/ci-pipeline-v01.pptx
@@ -1549,8 +1549,26 @@
           <a:p>
             <a:r>
               <a:rPr lang="en-US" dirty="0" smtClean="0"/>
-              <a:t>grunt</a:t>
-            </a:r>
+              <a:t>https://</a:t>
+            </a:r>
+            <a:r>
+              <a:rPr lang="en-US" dirty="0" err="1" smtClean="0"/>
+              <a:t>www.cloudbees.com</a:t>
+            </a:r>
+            <a:r>
+              <a:rPr lang="en-US" dirty="0" smtClean="0"/>
+              <a:t>/blog/continuous-integration-</a:t>
+            </a:r>
+            <a:r>
+              <a:rPr lang="en-US" dirty="0" err="1" smtClean="0"/>
+              <a:t>nodejs</a:t>
+            </a:r>
+            <a:r>
+              <a:rPr lang="en-US" smtClean="0"/>
+              <a:t>-jenkins</a:t>
+            </a:r>
+          </a:p>
+          <a:p>
             <a:endParaRPr lang="en-US" dirty="0"/>
           </a:p>
         </p:txBody>
@@ -1666,12 +1684,8 @@
               <a:t>docker</a:t>
             </a:r>
             <a:r>
-              <a:rPr lang="en-US" err="1" smtClean="0"/>
-              <a:t>-</a:t>
-            </a:r>
-            <a:r>
-              <a:rPr lang="en-US" smtClean="0"/>
-              <a:t>registry</a:t>
+              <a:rPr lang="en-US" dirty="0" smtClean="0"/>
+              <a:t>-registry</a:t>
             </a:r>
             <a:endParaRPr lang="en-US" dirty="0"/>
           </a:p>
@@ -5983,10 +5997,6 @@
           </a:bodyPr>
           <a:lstStyle/>
           <a:p>
-            <a:pPr marL="342900" indent="-342900">
-              <a:buFont typeface="+mj-lt"/>
-              <a:buAutoNum type="arabicPeriod" startAt="8"/>
-            </a:pPr>
             <a:r>
               <a:rPr lang="en-US" sz="1600" dirty="0" smtClean="0">
                 <a:latin typeface="Open Sans Light"/>
